--- a/podsystemy_linuxa.pptx
+++ b/podsystemy_linuxa.pptx
@@ -5,25 +5,22 @@
     <p:sldMasterId id="2147483648" r:id="rId1"/>
   </p:sldMasterIdLst>
   <p:notesMasterIdLst>
-    <p:notesMasterId r:id="rId18"/>
+    <p:notesMasterId r:id="rId15"/>
   </p:notesMasterIdLst>
   <p:sldIdLst>
     <p:sldId id="259" r:id="rId2"/>
-    <p:sldId id="257" r:id="rId3"/>
-    <p:sldId id="260" r:id="rId4"/>
-    <p:sldId id="262" r:id="rId5"/>
-    <p:sldId id="261" r:id="rId6"/>
-    <p:sldId id="264" r:id="rId7"/>
-    <p:sldId id="263" r:id="rId8"/>
-    <p:sldId id="265" r:id="rId9"/>
-    <p:sldId id="266" r:id="rId10"/>
-    <p:sldId id="267" r:id="rId11"/>
-    <p:sldId id="268" r:id="rId12"/>
-    <p:sldId id="269" r:id="rId13"/>
+    <p:sldId id="260" r:id="rId3"/>
+    <p:sldId id="261" r:id="rId4"/>
+    <p:sldId id="264" r:id="rId5"/>
+    <p:sldId id="262" r:id="rId6"/>
+    <p:sldId id="263" r:id="rId7"/>
+    <p:sldId id="265" r:id="rId8"/>
+    <p:sldId id="266" r:id="rId9"/>
+    <p:sldId id="267" r:id="rId10"/>
+    <p:sldId id="268" r:id="rId11"/>
+    <p:sldId id="269" r:id="rId12"/>
+    <p:sldId id="258" r:id="rId13"/>
     <p:sldId id="270" r:id="rId14"/>
-    <p:sldId id="271" r:id="rId15"/>
-    <p:sldId id="272" r:id="rId16"/>
-    <p:sldId id="258" r:id="rId17"/>
   </p:sldIdLst>
   <p:sldSz cx="12192000" cy="6858000"/>
   <p:notesSz cx="6858000" cy="9144000"/>
@@ -122,6 +119,11 @@
       </a:defRPr>
     </a:lvl9pPr>
   </p:defaultTextStyle>
+  <p:extLst>
+    <p:ext uri="{EFAFB233-063F-42B5-8137-9DF3F51BA10A}">
+      <p15:sldGuideLst xmlns:p15="http://schemas.microsoft.com/office/powerpoint/2012/main"/>
+    </p:ext>
+  </p:extLst>
 </p:presentation>
 </file>
 
@@ -207,7 +209,7 @@
           <a:p>
             <a:fld id="{BA165858-36F3-4332-8C32-7B3B265E28AD}" type="datetimeFigureOut">
               <a:rPr lang="en-US" smtClean="0"/>
-              <a:t>28-Nov-20</a:t>
+              <a:t>29-Nov-20</a:t>
             </a:fld>
             <a:endParaRPr lang="en-US"/>
           </a:p>
@@ -708,7 +710,7 @@
           <a:p>
             <a:fld id="{ED30F866-D6C4-49B5-9348-0E1F0EA8FB97}" type="datetimeFigureOut">
               <a:rPr lang="en-US" smtClean="0"/>
-              <a:t>28-Nov-20</a:t>
+              <a:t>29-Nov-20</a:t>
             </a:fld>
             <a:endParaRPr lang="en-US"/>
           </a:p>
@@ -908,7 +910,7 @@
           <a:p>
             <a:fld id="{ED30F866-D6C4-49B5-9348-0E1F0EA8FB97}" type="datetimeFigureOut">
               <a:rPr lang="en-US" smtClean="0"/>
-              <a:t>28-Nov-20</a:t>
+              <a:t>29-Nov-20</a:t>
             </a:fld>
             <a:endParaRPr lang="en-US"/>
           </a:p>
@@ -1118,7 +1120,7 @@
           <a:p>
             <a:fld id="{ED30F866-D6C4-49B5-9348-0E1F0EA8FB97}" type="datetimeFigureOut">
               <a:rPr lang="en-US" smtClean="0"/>
-              <a:t>28-Nov-20</a:t>
+              <a:t>29-Nov-20</a:t>
             </a:fld>
             <a:endParaRPr lang="en-US"/>
           </a:p>
@@ -1318,7 +1320,7 @@
           <a:p>
             <a:fld id="{ED30F866-D6C4-49B5-9348-0E1F0EA8FB97}" type="datetimeFigureOut">
               <a:rPr lang="en-US" smtClean="0"/>
-              <a:t>28-Nov-20</a:t>
+              <a:t>29-Nov-20</a:t>
             </a:fld>
             <a:endParaRPr lang="en-US"/>
           </a:p>
@@ -1594,7 +1596,7 @@
           <a:p>
             <a:fld id="{ED30F866-D6C4-49B5-9348-0E1F0EA8FB97}" type="datetimeFigureOut">
               <a:rPr lang="en-US" smtClean="0"/>
-              <a:t>28-Nov-20</a:t>
+              <a:t>29-Nov-20</a:t>
             </a:fld>
             <a:endParaRPr lang="en-US"/>
           </a:p>
@@ -1862,7 +1864,7 @@
           <a:p>
             <a:fld id="{ED30F866-D6C4-49B5-9348-0E1F0EA8FB97}" type="datetimeFigureOut">
               <a:rPr lang="en-US" smtClean="0"/>
-              <a:t>28-Nov-20</a:t>
+              <a:t>29-Nov-20</a:t>
             </a:fld>
             <a:endParaRPr lang="en-US"/>
           </a:p>
@@ -2277,7 +2279,7 @@
           <a:p>
             <a:fld id="{ED30F866-D6C4-49B5-9348-0E1F0EA8FB97}" type="datetimeFigureOut">
               <a:rPr lang="en-US" smtClean="0"/>
-              <a:t>28-Nov-20</a:t>
+              <a:t>29-Nov-20</a:t>
             </a:fld>
             <a:endParaRPr lang="en-US"/>
           </a:p>
@@ -2419,7 +2421,7 @@
           <a:p>
             <a:fld id="{ED30F866-D6C4-49B5-9348-0E1F0EA8FB97}" type="datetimeFigureOut">
               <a:rPr lang="en-US" smtClean="0"/>
-              <a:t>28-Nov-20</a:t>
+              <a:t>29-Nov-20</a:t>
             </a:fld>
             <a:endParaRPr lang="en-US"/>
           </a:p>
@@ -2532,7 +2534,7 @@
           <a:p>
             <a:fld id="{ED30F866-D6C4-49B5-9348-0E1F0EA8FB97}" type="datetimeFigureOut">
               <a:rPr lang="en-US" smtClean="0"/>
-              <a:t>28-Nov-20</a:t>
+              <a:t>29-Nov-20</a:t>
             </a:fld>
             <a:endParaRPr lang="en-US"/>
           </a:p>
@@ -2845,7 +2847,7 @@
           <a:p>
             <a:fld id="{ED30F866-D6C4-49B5-9348-0E1F0EA8FB97}" type="datetimeFigureOut">
               <a:rPr lang="en-US" smtClean="0"/>
-              <a:t>28-Nov-20</a:t>
+              <a:t>29-Nov-20</a:t>
             </a:fld>
             <a:endParaRPr lang="en-US"/>
           </a:p>
@@ -3134,7 +3136,7 @@
           <a:p>
             <a:fld id="{ED30F866-D6C4-49B5-9348-0E1F0EA8FB97}" type="datetimeFigureOut">
               <a:rPr lang="en-US" smtClean="0"/>
-              <a:t>28-Nov-20</a:t>
+              <a:t>29-Nov-20</a:t>
             </a:fld>
             <a:endParaRPr lang="en-US"/>
           </a:p>
@@ -3377,7 +3379,7 @@
           <a:p>
             <a:fld id="{ED30F866-D6C4-49B5-9348-0E1F0EA8FB97}" type="datetimeFigureOut">
               <a:rPr lang="en-US" smtClean="0"/>
-              <a:t>28-Nov-20</a:t>
+              <a:t>29-Nov-20</a:t>
             </a:fld>
             <a:endParaRPr lang="en-US"/>
           </a:p>
@@ -3862,39 +3864,34 @@
           <a:p>
             <a:r>
               <a:rPr lang="en-US" dirty="0"/>
-              <a:t>S</a:t>
-            </a:r>
-            <a:r>
-              <a:rPr lang="pl-PL" dirty="0" err="1"/>
-              <a:t>ystemy</a:t>
-            </a:r>
-            <a:r>
-              <a:rPr lang="pl-PL" dirty="0"/>
-              <a:t> plików</a:t>
-            </a:r>
+              <a:t>Kernel </a:t>
+            </a:r>
+            <a:r>
+              <a:rPr lang="en-US" dirty="0" err="1"/>
+              <a:t>Linuxa</a:t>
+            </a:r>
+            <a:endParaRPr lang="pl-PL" dirty="0"/>
           </a:p>
           <a:p>
             <a:r>
               <a:rPr lang="en-US" dirty="0"/>
-              <a:t>P</a:t>
-            </a:r>
-            <a:r>
-              <a:rPr lang="pl-PL" dirty="0" err="1"/>
-              <a:t>lanowanie</a:t>
-            </a:r>
-            <a:r>
-              <a:rPr lang="pl-PL" dirty="0"/>
-              <a:t> procesów i wątków</a:t>
-            </a:r>
-          </a:p>
-          <a:p>
-            <a:r>
-              <a:rPr lang="en-US" dirty="0"/>
-              <a:t>B</a:t>
-            </a:r>
-            <a:r>
-              <a:rPr lang="pl-PL" dirty="0"/>
-              <a:t>udowa jądra i sterowników</a:t>
+              <a:t>System </a:t>
+            </a:r>
+            <a:r>
+              <a:rPr lang="en-US" dirty="0" err="1"/>
+              <a:t>plików</a:t>
+            </a:r>
+            <a:endParaRPr lang="pl-PL" dirty="0"/>
+          </a:p>
+          <a:p>
+            <a:r>
+              <a:rPr lang="pl-PL" sz="2800" dirty="0">
+                <a:effectLst/>
+                <a:latin typeface="Calibri" panose="020F0502020204030204" pitchFamily="34" charset="0"/>
+                <a:ea typeface="Calibri" panose="020F0502020204030204" pitchFamily="34" charset="0"/>
+                <a:cs typeface="Times New Roman" panose="02020603050405020304" pitchFamily="18" charset="0"/>
+              </a:rPr>
+              <a:t>Planowanie procesów i wątków</a:t>
             </a:r>
             <a:endParaRPr lang="en-US" dirty="0"/>
           </a:p>
@@ -3908,7 +3905,7 @@
             <a:endParaRPr lang="en-US" dirty="0"/>
           </a:p>
           <a:p>
-            <a:endParaRPr lang="en-US" dirty="0"/>
+            <a:endParaRPr lang="pl-PL" dirty="0"/>
           </a:p>
           <a:p>
             <a:endParaRPr lang="en-US" dirty="0"/>
@@ -3987,117 +3984,6 @@
 </file>
 
 <file path=ppt/slides/slide10.xml><?xml version="1.0" encoding="utf-8"?>
-<p:sld xmlns:a="http://schemas.openxmlformats.org/drawingml/2006/main" xmlns:r="http://schemas.openxmlformats.org/officeDocument/2006/relationships" xmlns:p="http://schemas.openxmlformats.org/presentationml/2006/main">
-  <p:cSld>
-    <p:spTree>
-      <p:nvGrpSpPr>
-        <p:cNvPr id="1" name=""/>
-        <p:cNvGrpSpPr/>
-        <p:nvPr/>
-      </p:nvGrpSpPr>
-      <p:grpSpPr>
-        <a:xfrm>
-          <a:off x="0" y="0"/>
-          <a:ext cx="0" cy="0"/>
-          <a:chOff x="0" y="0"/>
-          <a:chExt cx="0" cy="0"/>
-        </a:xfrm>
-      </p:grpSpPr>
-      <p:sp>
-        <p:nvSpPr>
-          <p:cNvPr id="2" name="Tytuł 1">
-            <a:extLst>
-              <a:ext uri="{FF2B5EF4-FFF2-40B4-BE49-F238E27FC236}">
-                <a16:creationId xmlns:a16="http://schemas.microsoft.com/office/drawing/2014/main" id="{6CE0748F-DB3C-4E8C-A322-84AC4ACC4BAF}"/>
-              </a:ext>
-            </a:extLst>
-          </p:cNvPr>
-          <p:cNvSpPr>
-            <a:spLocks noGrp="1"/>
-          </p:cNvSpPr>
-          <p:nvPr>
-            <p:ph type="title"/>
-          </p:nvPr>
-        </p:nvSpPr>
-        <p:spPr/>
-        <p:txBody>
-          <a:bodyPr/>
-          <a:lstStyle/>
-          <a:p>
-            <a:r>
-              <a:rPr lang="en-US" dirty="0" err="1"/>
-              <a:t>Czym</a:t>
-            </a:r>
-            <a:r>
-              <a:rPr lang="en-US" dirty="0"/>
-              <a:t> jest file system?</a:t>
-            </a:r>
-          </a:p>
-        </p:txBody>
-      </p:sp>
-      <p:pic>
-        <p:nvPicPr>
-          <p:cNvPr id="7172" name="Picture 4">
-            <a:extLst>
-              <a:ext uri="{FF2B5EF4-FFF2-40B4-BE49-F238E27FC236}">
-                <a16:creationId xmlns:a16="http://schemas.microsoft.com/office/drawing/2014/main" id="{52399673-E870-4733-A6F3-6D804A5822AB}"/>
-              </a:ext>
-            </a:extLst>
-          </p:cNvPr>
-          <p:cNvPicPr>
-            <a:picLocks noGrp="1" noChangeAspect="1" noChangeArrowheads="1"/>
-          </p:cNvPicPr>
-          <p:nvPr>
-            <p:ph idx="1"/>
-          </p:nvPr>
-        </p:nvPicPr>
-        <p:blipFill>
-          <a:blip r:embed="rId2">
-            <a:extLst>
-              <a:ext uri="{28A0092B-C50C-407E-A947-70E740481C1C}">
-                <a14:useLocalDpi xmlns:a14="http://schemas.microsoft.com/office/drawing/2010/main" val="0"/>
-              </a:ext>
-            </a:extLst>
-          </a:blip>
-          <a:srcRect/>
-          <a:stretch>
-            <a:fillRect/>
-          </a:stretch>
-        </p:blipFill>
-        <p:spPr bwMode="auto">
-          <a:xfrm>
-            <a:off x="2495550" y="2143919"/>
-            <a:ext cx="7200900" cy="3714750"/>
-          </a:xfrm>
-          <a:prstGeom prst="rect">
-            <a:avLst/>
-          </a:prstGeom>
-          <a:noFill/>
-          <a:extLst>
-            <a:ext uri="{909E8E84-426E-40DD-AFC4-6F175D3DCCD1}">
-              <a14:hiddenFill xmlns:a14="http://schemas.microsoft.com/office/drawing/2010/main">
-                <a:solidFill>
-                  <a:srgbClr val="FFFFFF"/>
-                </a:solidFill>
-              </a14:hiddenFill>
-            </a:ext>
-          </a:extLst>
-        </p:spPr>
-      </p:pic>
-    </p:spTree>
-    <p:extLst>
-      <p:ext uri="{BB962C8B-B14F-4D97-AF65-F5344CB8AC3E}">
-        <p14:creationId xmlns:p14="http://schemas.microsoft.com/office/powerpoint/2010/main" val="30260786"/>
-      </p:ext>
-    </p:extLst>
-  </p:cSld>
-  <p:clrMapOvr>
-    <a:masterClrMapping/>
-  </p:clrMapOvr>
-</p:sld>
-</file>
-
-<file path=ppt/slides/slide11.xml><?xml version="1.0" encoding="utf-8"?>
 <p:sld xmlns:a="http://schemas.openxmlformats.org/drawingml/2006/main" xmlns:r="http://schemas.openxmlformats.org/officeDocument/2006/relationships" xmlns:p="http://schemas.openxmlformats.org/presentationml/2006/main">
   <p:cSld>
     <p:spTree>
@@ -4315,7 +4201,7 @@
 </p:sld>
 </file>
 
-<file path=ppt/slides/slide12.xml><?xml version="1.0" encoding="utf-8"?>
+<file path=ppt/slides/slide11.xml><?xml version="1.0" encoding="utf-8"?>
 <p:sld xmlns:a="http://schemas.openxmlformats.org/drawingml/2006/main" xmlns:r="http://schemas.openxmlformats.org/officeDocument/2006/relationships" xmlns:p="http://schemas.openxmlformats.org/presentationml/2006/main">
   <p:cSld>
     <p:spTree>
@@ -4353,7 +4239,35 @@
           <a:bodyPr/>
           <a:lstStyle/>
           <a:p>
-            <a:endParaRPr lang="en-US"/>
+            <a:r>
+              <a:rPr lang="en-US" dirty="0" err="1"/>
+              <a:t>Planowanie</a:t>
+            </a:r>
+            <a:r>
+              <a:rPr lang="en-US" dirty="0"/>
+              <a:t> </a:t>
+            </a:r>
+            <a:r>
+              <a:rPr lang="en-US" dirty="0" err="1"/>
+              <a:t>procesów</a:t>
+            </a:r>
+            <a:r>
+              <a:rPr lang="en-US" dirty="0"/>
+              <a:t> </a:t>
+            </a:r>
+            <a:r>
+              <a:rPr lang="en-US" dirty="0" err="1"/>
+              <a:t>i</a:t>
+            </a:r>
+            <a:r>
+              <a:rPr lang="en-US" dirty="0"/>
+              <a:t> </a:t>
+            </a:r>
+            <a:r>
+              <a:rPr lang="en-US" dirty="0" err="1"/>
+              <a:t>wątków</a:t>
+            </a:r>
+            <a:endParaRPr lang="en-US" dirty="0"/>
           </a:p>
         </p:txBody>
       </p:sp>
@@ -4402,6 +4316,437 @@
 </p:sld>
 </file>
 
+<file path=ppt/slides/slide12.xml><?xml version="1.0" encoding="utf-8"?>
+<p:sld xmlns:a="http://schemas.openxmlformats.org/drawingml/2006/main" xmlns:r="http://schemas.openxmlformats.org/officeDocument/2006/relationships" xmlns:p="http://schemas.openxmlformats.org/presentationml/2006/main">
+  <p:cSld>
+    <p:spTree>
+      <p:nvGrpSpPr>
+        <p:cNvPr id="1" name=""/>
+        <p:cNvGrpSpPr/>
+        <p:nvPr/>
+      </p:nvGrpSpPr>
+      <p:grpSpPr>
+        <a:xfrm>
+          <a:off x="0" y="0"/>
+          <a:ext cx="0" cy="0"/>
+          <a:chOff x="0" y="0"/>
+          <a:chExt cx="0" cy="0"/>
+        </a:xfrm>
+      </p:grpSpPr>
+      <p:sp>
+        <p:nvSpPr>
+          <p:cNvPr id="2" name="Tytuł 1">
+            <a:extLst>
+              <a:ext uri="{FF2B5EF4-FFF2-40B4-BE49-F238E27FC236}">
+                <a16:creationId xmlns:a16="http://schemas.microsoft.com/office/drawing/2014/main" id="{F21ADD7B-3B00-4E5A-A45F-8D0566A8C07E}"/>
+              </a:ext>
+            </a:extLst>
+          </p:cNvPr>
+          <p:cNvSpPr>
+            <a:spLocks noGrp="1"/>
+          </p:cNvSpPr>
+          <p:nvPr>
+            <p:ph type="title"/>
+          </p:nvPr>
+        </p:nvSpPr>
+        <p:spPr/>
+        <p:txBody>
+          <a:bodyPr/>
+          <a:lstStyle/>
+          <a:p>
+            <a:r>
+              <a:rPr lang="en-US" dirty="0" err="1"/>
+              <a:t>Źródła</a:t>
+            </a:r>
+            <a:r>
+              <a:rPr lang="en-US" dirty="0"/>
+              <a:t>:	</a:t>
+            </a:r>
+          </a:p>
+        </p:txBody>
+      </p:sp>
+      <p:sp>
+        <p:nvSpPr>
+          <p:cNvPr id="3" name="Symbol zastępczy zawartości 2">
+            <a:extLst>
+              <a:ext uri="{FF2B5EF4-FFF2-40B4-BE49-F238E27FC236}">
+                <a16:creationId xmlns:a16="http://schemas.microsoft.com/office/drawing/2014/main" id="{99202966-0419-483A-B298-FA97EEA85904}"/>
+              </a:ext>
+            </a:extLst>
+          </p:cNvPr>
+          <p:cNvSpPr>
+            <a:spLocks noGrp="1"/>
+          </p:cNvSpPr>
+          <p:nvPr>
+            <p:ph idx="1"/>
+          </p:nvPr>
+        </p:nvSpPr>
+        <p:spPr/>
+        <p:txBody>
+          <a:bodyPr/>
+          <a:lstStyle/>
+          <a:p>
+            <a:r>
+              <a:rPr lang="en-US" sz="1200" dirty="0">
+                <a:solidFill>
+                  <a:schemeClr val="tx1">
+                    <a:lumMod val="95000"/>
+                  </a:schemeClr>
+                </a:solidFill>
+                <a:hlinkClick r:id="rId2">
+                  <a:extLst>
+                    <a:ext uri="{A12FA001-AC4F-418D-AE19-62706E023703}">
+                      <ahyp:hlinkClr xmlns:ahyp="http://schemas.microsoft.com/office/drawing/2018/hyperlinkcolor" val="tx"/>
+                    </a:ext>
+                  </a:extLst>
+                </a:hlinkClick>
+              </a:rPr>
+              <a:t>https://blog.digilentinc.com/demystifiying-the-linux-kernel/</a:t>
+            </a:r>
+            <a:endParaRPr lang="en-US" sz="1200" dirty="0">
+              <a:solidFill>
+                <a:schemeClr val="tx1">
+                  <a:lumMod val="95000"/>
+                </a:schemeClr>
+              </a:solidFill>
+            </a:endParaRPr>
+          </a:p>
+          <a:p>
+            <a:r>
+              <a:rPr lang="en-US" sz="1200" dirty="0">
+                <a:solidFill>
+                  <a:schemeClr val="tx1">
+                    <a:lumMod val="95000"/>
+                  </a:schemeClr>
+                </a:solidFill>
+                <a:hlinkClick r:id="rId3">
+                  <a:extLst>
+                    <a:ext uri="{A12FA001-AC4F-418D-AE19-62706E023703}">
+                      <ahyp:hlinkClr xmlns:ahyp="http://schemas.microsoft.com/office/drawing/2018/hyperlinkcolor" val="tx"/>
+                    </a:ext>
+                  </a:extLst>
+                </a:hlinkClick>
+              </a:rPr>
+              <a:t>https://cdn.britannica.com/99/124299-050-4B4D509F/Linus-Torvalds-2012.jpg</a:t>
+            </a:r>
+            <a:endParaRPr lang="en-US" sz="1200" dirty="0">
+              <a:solidFill>
+                <a:schemeClr val="tx1">
+                  <a:lumMod val="95000"/>
+                </a:schemeClr>
+              </a:solidFill>
+            </a:endParaRPr>
+          </a:p>
+          <a:p>
+            <a:r>
+              <a:rPr lang="en-US" sz="1200" dirty="0">
+                <a:solidFill>
+                  <a:schemeClr val="tx1">
+                    <a:lumMod val="95000"/>
+                  </a:schemeClr>
+                </a:solidFill>
+                <a:hlinkClick r:id="rId4">
+                  <a:extLst>
+                    <a:ext uri="{A12FA001-AC4F-418D-AE19-62706E023703}">
+                      <ahyp:hlinkClr xmlns:ahyp="http://schemas.microsoft.com/office/drawing/2018/hyperlinkcolor" val="tx"/>
+                    </a:ext>
+                  </a:extLst>
+                </a:hlinkClick>
+              </a:rPr>
+              <a:t>https://upload.wikimedia.org/wikipedia/commons/thumb/9/93/GPLv3_Logo.svg/1200px-GPLv3_Logo.svg.png</a:t>
+            </a:r>
+            <a:endParaRPr lang="en-US" sz="1200" dirty="0">
+              <a:solidFill>
+                <a:schemeClr val="tx1">
+                  <a:lumMod val="95000"/>
+                </a:schemeClr>
+              </a:solidFill>
+            </a:endParaRPr>
+          </a:p>
+          <a:p>
+            <a:r>
+              <a:rPr lang="en-US" sz="1200" dirty="0">
+                <a:solidFill>
+                  <a:schemeClr val="tx1">
+                    <a:lumMod val="95000"/>
+                  </a:schemeClr>
+                </a:solidFill>
+                <a:hlinkClick r:id="rId5">
+                  <a:extLst>
+                    <a:ext uri="{A12FA001-AC4F-418D-AE19-62706E023703}">
+                      <ahyp:hlinkClr xmlns:ahyp="http://schemas.microsoft.com/office/drawing/2018/hyperlinkcolor" val="tx"/>
+                    </a:ext>
+                  </a:extLst>
+                </a:hlinkClick>
+              </a:rPr>
+              <a:t>https://www.coolhousing.net/images/stories/blog/gnu.png</a:t>
+            </a:r>
+            <a:endParaRPr lang="en-US" sz="1200" dirty="0">
+              <a:solidFill>
+                <a:schemeClr val="tx1">
+                  <a:lumMod val="95000"/>
+                </a:schemeClr>
+              </a:solidFill>
+            </a:endParaRPr>
+          </a:p>
+          <a:p>
+            <a:r>
+              <a:rPr lang="en-US" sz="1200" dirty="0">
+                <a:solidFill>
+                  <a:schemeClr val="tx1">
+                    <a:lumMod val="95000"/>
+                  </a:schemeClr>
+                </a:solidFill>
+                <a:hlinkClick r:id="rId6">
+                  <a:extLst>
+                    <a:ext uri="{A12FA001-AC4F-418D-AE19-62706E023703}">
+                      <ahyp:hlinkClr xmlns:ahyp="http://schemas.microsoft.com/office/drawing/2018/hyperlinkcolor" val="tx"/>
+                    </a:ext>
+                  </a:extLst>
+                </a:hlinkClick>
+              </a:rPr>
+              <a:t>https://upload.wikimedia.org/wikipedia/commons/thumb/3/3a/Linux_kernel_ubiquity.svg/800px-Linux_kernel_ubiquity.svg.png</a:t>
+            </a:r>
+            <a:endParaRPr lang="en-US" sz="1200" dirty="0">
+              <a:solidFill>
+                <a:schemeClr val="tx1">
+                  <a:lumMod val="95000"/>
+                </a:schemeClr>
+              </a:solidFill>
+            </a:endParaRPr>
+          </a:p>
+          <a:p>
+            <a:r>
+              <a:rPr lang="en-US" sz="1200" dirty="0">
+                <a:solidFill>
+                  <a:schemeClr val="tx1">
+                    <a:lumMod val="95000"/>
+                  </a:schemeClr>
+                </a:solidFill>
+                <a:hlinkClick r:id="rId7">
+                  <a:extLst>
+                    <a:ext uri="{A12FA001-AC4F-418D-AE19-62706E023703}">
+                      <ahyp:hlinkClr xmlns:ahyp="http://schemas.microsoft.com/office/drawing/2018/hyperlinkcolor" val="tx"/>
+                    </a:ext>
+                  </a:extLst>
+                </a:hlinkClick>
+              </a:rPr>
+              <a:t>https://upload.wikimedia.org/wikipedia/commons/a/af/Tux.png</a:t>
+            </a:r>
+            <a:endParaRPr lang="en-US" sz="1200" dirty="0">
+              <a:solidFill>
+                <a:schemeClr val="tx1">
+                  <a:lumMod val="95000"/>
+                </a:schemeClr>
+              </a:solidFill>
+            </a:endParaRPr>
+          </a:p>
+          <a:p>
+            <a:r>
+              <a:rPr lang="en-US" sz="1200" dirty="0">
+                <a:solidFill>
+                  <a:schemeClr val="tx1">
+                    <a:lumMod val="95000"/>
+                  </a:schemeClr>
+                </a:solidFill>
+                <a:hlinkClick r:id="rId8">
+                  <a:extLst>
+                    <a:ext uri="{A12FA001-AC4F-418D-AE19-62706E023703}">
+                      <ahyp:hlinkClr xmlns:ahyp="http://schemas.microsoft.com/office/drawing/2018/hyperlinkcolor" val="tx"/>
+                    </a:ext>
+                  </a:extLst>
+                </a:hlinkClick>
+              </a:rPr>
+              <a:t>https://fossbytes.com/wp-content/uploads/2016/08/linus-torvald-first-linux-email.png</a:t>
+            </a:r>
+            <a:endParaRPr lang="en-US" sz="1200" dirty="0">
+              <a:solidFill>
+                <a:schemeClr val="tx1">
+                  <a:lumMod val="95000"/>
+                </a:schemeClr>
+              </a:solidFill>
+            </a:endParaRPr>
+          </a:p>
+          <a:p>
+            <a:r>
+              <a:rPr lang="en-US" sz="1200" dirty="0">
+                <a:solidFill>
+                  <a:schemeClr val="tx1">
+                    <a:lumMod val="95000"/>
+                  </a:schemeClr>
+                </a:solidFill>
+                <a:hlinkClick r:id="rId9">
+                  <a:extLst>
+                    <a:ext uri="{A12FA001-AC4F-418D-AE19-62706E023703}">
+                      <ahyp:hlinkClr xmlns:ahyp="http://schemas.microsoft.com/office/drawing/2018/hyperlinkcolor" val="tx"/>
+                    </a:ext>
+                  </a:extLst>
+                </a:hlinkClick>
+              </a:rPr>
+              <a:t>https://upload.wikimedia.org/wikipedia/commons/thumb/5/5f/Windows_logo_-_2012.svg/1200px-Windows_logo_-_2012.svg.png</a:t>
+            </a:r>
+            <a:endParaRPr lang="en-US" sz="1200" dirty="0">
+              <a:solidFill>
+                <a:schemeClr val="tx1">
+                  <a:lumMod val="95000"/>
+                </a:schemeClr>
+              </a:solidFill>
+            </a:endParaRPr>
+          </a:p>
+          <a:p>
+            <a:r>
+              <a:rPr lang="en-US" sz="1200" dirty="0">
+                <a:solidFill>
+                  <a:schemeClr val="tx1">
+                    <a:lumMod val="95000"/>
+                  </a:schemeClr>
+                </a:solidFill>
+                <a:hlinkClick r:id="rId10">
+                  <a:extLst>
+                    <a:ext uri="{A12FA001-AC4F-418D-AE19-62706E023703}">
+                      <ahyp:hlinkClr xmlns:ahyp="http://schemas.microsoft.com/office/drawing/2018/hyperlinkcolor" val="tx"/>
+                    </a:ext>
+                  </a:extLst>
+                </a:hlinkClick>
+              </a:rPr>
+              <a:t>https://cdn.freebiesupply.com/logos/large/2x/mac-os-2-logo-png-transparent.png</a:t>
+            </a:r>
+            <a:endParaRPr lang="en-US" sz="1200" dirty="0">
+              <a:solidFill>
+                <a:schemeClr val="tx1">
+                  <a:lumMod val="95000"/>
+                </a:schemeClr>
+              </a:solidFill>
+            </a:endParaRPr>
+          </a:p>
+          <a:p>
+            <a:r>
+              <a:rPr lang="en-US" sz="1200" dirty="0">
+                <a:solidFill>
+                  <a:schemeClr val="tx1">
+                    <a:lumMod val="95000"/>
+                  </a:schemeClr>
+                </a:solidFill>
+                <a:hlinkClick r:id="rId11">
+                  <a:extLst>
+                    <a:ext uri="{A12FA001-AC4F-418D-AE19-62706E023703}">
+                      <ahyp:hlinkClr xmlns:ahyp="http://schemas.microsoft.com/office/drawing/2018/hyperlinkcolor" val="tx"/>
+                    </a:ext>
+                  </a:extLst>
+                </a:hlinkClick>
+              </a:rPr>
+              <a:t>https://ubuntupit.com/wp-content/uploads/2019/11/linux_file_system.jpg</a:t>
+            </a:r>
+            <a:endParaRPr lang="en-US" sz="1200" dirty="0">
+              <a:solidFill>
+                <a:schemeClr val="tx1">
+                  <a:lumMod val="95000"/>
+                </a:schemeClr>
+              </a:solidFill>
+            </a:endParaRPr>
+          </a:p>
+          <a:p>
+            <a:r>
+              <a:rPr lang="en-US" sz="1200" dirty="0">
+                <a:solidFill>
+                  <a:schemeClr val="tx1">
+                    <a:lumMod val="95000"/>
+                  </a:schemeClr>
+                </a:solidFill>
+                <a:hlinkClick r:id="rId12">
+                  <a:extLst>
+                    <a:ext uri="{A12FA001-AC4F-418D-AE19-62706E023703}">
+                      <ahyp:hlinkClr xmlns:ahyp="http://schemas.microsoft.com/office/drawing/2018/hyperlinkcolor" val="tx"/>
+                    </a:ext>
+                  </a:extLst>
+                </a:hlinkClick>
+              </a:rPr>
+              <a:t>https://hexus.net/media/uploaded/2017/11/b700ff5b-be0c-4af1-a2f8-9ce9ab0d3b25.jpg</a:t>
+            </a:r>
+            <a:endParaRPr lang="en-US" sz="1200" dirty="0">
+              <a:solidFill>
+                <a:schemeClr val="tx1">
+                  <a:lumMod val="95000"/>
+                </a:schemeClr>
+              </a:solidFill>
+            </a:endParaRPr>
+          </a:p>
+          <a:p>
+            <a:r>
+              <a:rPr lang="en-US" sz="1200" dirty="0">
+                <a:solidFill>
+                  <a:schemeClr val="tx1">
+                    <a:lumMod val="95000"/>
+                  </a:schemeClr>
+                </a:solidFill>
+                <a:hlinkClick r:id="rId13">
+                  <a:extLst>
+                    <a:ext uri="{A12FA001-AC4F-418D-AE19-62706E023703}">
+                      <ahyp:hlinkClr xmlns:ahyp="http://schemas.microsoft.com/office/drawing/2018/hyperlinkcolor" val="tx"/>
+                    </a:ext>
+                  </a:extLst>
+                </a:hlinkClick>
+              </a:rPr>
+              <a:t>https://www.mvps.net/docs/wp-content/uploads/2019/02/linux-filesystem.png</a:t>
+            </a:r>
+            <a:endParaRPr lang="en-US" sz="1200" dirty="0">
+              <a:solidFill>
+                <a:schemeClr val="tx1">
+                  <a:lumMod val="95000"/>
+                </a:schemeClr>
+              </a:solidFill>
+            </a:endParaRPr>
+          </a:p>
+          <a:p>
+            <a:r>
+              <a:rPr lang="en-US" sz="1200" dirty="0">
+                <a:solidFill>
+                  <a:schemeClr val="tx1">
+                    <a:lumMod val="95000"/>
+                  </a:schemeClr>
+                </a:solidFill>
+                <a:hlinkClick r:id="rId14">
+                  <a:extLst>
+                    <a:ext uri="{A12FA001-AC4F-418D-AE19-62706E023703}">
+                      <ahyp:hlinkClr xmlns:ahyp="http://schemas.microsoft.com/office/drawing/2018/hyperlinkcolor" val="tx"/>
+                    </a:ext>
+                  </a:extLst>
+                </a:hlinkClick>
+              </a:rPr>
+              <a:t>https://static.javatpoint.com/linux/images/linux-file-system2.png</a:t>
+            </a:r>
+            <a:endParaRPr lang="en-US" dirty="0">
+              <a:solidFill>
+                <a:schemeClr val="tx1">
+                  <a:lumMod val="95000"/>
+                </a:schemeClr>
+              </a:solidFill>
+            </a:endParaRPr>
+          </a:p>
+          <a:p>
+            <a:endParaRPr lang="en-US" dirty="0">
+              <a:solidFill>
+                <a:schemeClr val="tx1">
+                  <a:lumMod val="95000"/>
+                </a:schemeClr>
+              </a:solidFill>
+            </a:endParaRPr>
+          </a:p>
+        </p:txBody>
+      </p:sp>
+    </p:spTree>
+    <p:extLst>
+      <p:ext uri="{BB962C8B-B14F-4D97-AF65-F5344CB8AC3E}">
+        <p14:creationId xmlns:p14="http://schemas.microsoft.com/office/powerpoint/2010/main" val="250474331"/>
+      </p:ext>
+    </p:extLst>
+  </p:cSld>
+  <p:clrMapOvr>
+    <a:masterClrMapping/>
+  </p:clrMapOvr>
+</p:sld>
+</file>
+
 <file path=ppt/slides/slide13.xml><?xml version="1.0" encoding="utf-8"?>
 <p:sld xmlns:a="http://schemas.openxmlformats.org/drawingml/2006/main" xmlns:r="http://schemas.openxmlformats.org/officeDocument/2006/relationships" xmlns:p="http://schemas.openxmlformats.org/presentationml/2006/main">
   <p:cSld>
@@ -4424,7 +4769,7 @@
           <p:cNvPr id="2" name="Tytuł 1">
             <a:extLst>
               <a:ext uri="{FF2B5EF4-FFF2-40B4-BE49-F238E27FC236}">
-                <a16:creationId xmlns:a16="http://schemas.microsoft.com/office/drawing/2014/main" id="{6CE0748F-DB3C-4E8C-A322-84AC4ACC4BAF}"/>
+                <a16:creationId xmlns:a16="http://schemas.microsoft.com/office/drawing/2014/main" id="{B2708E29-1584-4413-9688-754E4AF2DE06}"/>
               </a:ext>
             </a:extLst>
           </p:cNvPr>
@@ -4440,7 +4785,11 @@
           <a:bodyPr/>
           <a:lstStyle/>
           <a:p>
-            <a:endParaRPr lang="en-US"/>
+            <a:r>
+              <a:rPr lang="en-US" dirty="0" err="1"/>
+              <a:t>Koniec</a:t>
+            </a:r>
+            <a:endParaRPr lang="en-US" dirty="0"/>
           </a:p>
         </p:txBody>
       </p:sp>
@@ -4449,7 +4798,7 @@
           <p:cNvPr id="3" name="Symbol zastępczy zawartości 2">
             <a:extLst>
               <a:ext uri="{FF2B5EF4-FFF2-40B4-BE49-F238E27FC236}">
-                <a16:creationId xmlns:a16="http://schemas.microsoft.com/office/drawing/2014/main" id="{3BCB60E0-C5A9-4F43-A5A3-814934EA28B5}"/>
+                <a16:creationId xmlns:a16="http://schemas.microsoft.com/office/drawing/2014/main" id="{4090AEE8-AD56-4B0D-AF80-34B6C0AD8CC7}"/>
               </a:ext>
             </a:extLst>
           </p:cNvPr>
@@ -4465,378 +4814,20 @@
           <a:bodyPr/>
           <a:lstStyle/>
           <a:p>
-            <a:endParaRPr lang="en-US"/>
+            <a:pPr marL="0" indent="0">
+              <a:buNone/>
+            </a:pPr>
+            <a:r>
+              <a:rPr lang="en-US" dirty="0"/>
+              <a:t>Jan Bronicki 249011</a:t>
+            </a:r>
           </a:p>
         </p:txBody>
       </p:sp>
     </p:spTree>
     <p:extLst>
       <p:ext uri="{BB962C8B-B14F-4D97-AF65-F5344CB8AC3E}">
-        <p14:creationId xmlns:p14="http://schemas.microsoft.com/office/powerpoint/2010/main" val="809631222"/>
-      </p:ext>
-    </p:extLst>
-  </p:cSld>
-  <p:clrMapOvr>
-    <a:masterClrMapping/>
-  </p:clrMapOvr>
-</p:sld>
-</file>
-
-<file path=ppt/slides/slide14.xml><?xml version="1.0" encoding="utf-8"?>
-<p:sld xmlns:a="http://schemas.openxmlformats.org/drawingml/2006/main" xmlns:r="http://schemas.openxmlformats.org/officeDocument/2006/relationships" xmlns:p="http://schemas.openxmlformats.org/presentationml/2006/main">
-  <p:cSld>
-    <p:spTree>
-      <p:nvGrpSpPr>
-        <p:cNvPr id="1" name=""/>
-        <p:cNvGrpSpPr/>
-        <p:nvPr/>
-      </p:nvGrpSpPr>
-      <p:grpSpPr>
-        <a:xfrm>
-          <a:off x="0" y="0"/>
-          <a:ext cx="0" cy="0"/>
-          <a:chOff x="0" y="0"/>
-          <a:chExt cx="0" cy="0"/>
-        </a:xfrm>
-      </p:grpSpPr>
-      <p:sp>
-        <p:nvSpPr>
-          <p:cNvPr id="2" name="Tytuł 1">
-            <a:extLst>
-              <a:ext uri="{FF2B5EF4-FFF2-40B4-BE49-F238E27FC236}">
-                <a16:creationId xmlns:a16="http://schemas.microsoft.com/office/drawing/2014/main" id="{6CE0748F-DB3C-4E8C-A322-84AC4ACC4BAF}"/>
-              </a:ext>
-            </a:extLst>
-          </p:cNvPr>
-          <p:cNvSpPr>
-            <a:spLocks noGrp="1"/>
-          </p:cNvSpPr>
-          <p:nvPr>
-            <p:ph type="title"/>
-          </p:nvPr>
-        </p:nvSpPr>
-        <p:spPr/>
-        <p:txBody>
-          <a:bodyPr/>
-          <a:lstStyle/>
-          <a:p>
-            <a:endParaRPr lang="en-US"/>
-          </a:p>
-        </p:txBody>
-      </p:sp>
-      <p:sp>
-        <p:nvSpPr>
-          <p:cNvPr id="3" name="Symbol zastępczy zawartości 2">
-            <a:extLst>
-              <a:ext uri="{FF2B5EF4-FFF2-40B4-BE49-F238E27FC236}">
-                <a16:creationId xmlns:a16="http://schemas.microsoft.com/office/drawing/2014/main" id="{3BCB60E0-C5A9-4F43-A5A3-814934EA28B5}"/>
-              </a:ext>
-            </a:extLst>
-          </p:cNvPr>
-          <p:cNvSpPr>
-            <a:spLocks noGrp="1"/>
-          </p:cNvSpPr>
-          <p:nvPr>
-            <p:ph idx="1"/>
-          </p:nvPr>
-        </p:nvSpPr>
-        <p:spPr/>
-        <p:txBody>
-          <a:bodyPr/>
-          <a:lstStyle/>
-          <a:p>
-            <a:endParaRPr lang="en-US"/>
-          </a:p>
-        </p:txBody>
-      </p:sp>
-    </p:spTree>
-    <p:extLst>
-      <p:ext uri="{BB962C8B-B14F-4D97-AF65-F5344CB8AC3E}">
-        <p14:creationId xmlns:p14="http://schemas.microsoft.com/office/powerpoint/2010/main" val="609101349"/>
-      </p:ext>
-    </p:extLst>
-  </p:cSld>
-  <p:clrMapOvr>
-    <a:masterClrMapping/>
-  </p:clrMapOvr>
-</p:sld>
-</file>
-
-<file path=ppt/slides/slide15.xml><?xml version="1.0" encoding="utf-8"?>
-<p:sld xmlns:a="http://schemas.openxmlformats.org/drawingml/2006/main" xmlns:r="http://schemas.openxmlformats.org/officeDocument/2006/relationships" xmlns:p="http://schemas.openxmlformats.org/presentationml/2006/main">
-  <p:cSld>
-    <p:spTree>
-      <p:nvGrpSpPr>
-        <p:cNvPr id="1" name=""/>
-        <p:cNvGrpSpPr/>
-        <p:nvPr/>
-      </p:nvGrpSpPr>
-      <p:grpSpPr>
-        <a:xfrm>
-          <a:off x="0" y="0"/>
-          <a:ext cx="0" cy="0"/>
-          <a:chOff x="0" y="0"/>
-          <a:chExt cx="0" cy="0"/>
-        </a:xfrm>
-      </p:grpSpPr>
-      <p:sp>
-        <p:nvSpPr>
-          <p:cNvPr id="2" name="Tytuł 1">
-            <a:extLst>
-              <a:ext uri="{FF2B5EF4-FFF2-40B4-BE49-F238E27FC236}">
-                <a16:creationId xmlns:a16="http://schemas.microsoft.com/office/drawing/2014/main" id="{6CE0748F-DB3C-4E8C-A322-84AC4ACC4BAF}"/>
-              </a:ext>
-            </a:extLst>
-          </p:cNvPr>
-          <p:cNvSpPr>
-            <a:spLocks noGrp="1"/>
-          </p:cNvSpPr>
-          <p:nvPr>
-            <p:ph type="title"/>
-          </p:nvPr>
-        </p:nvSpPr>
-        <p:spPr/>
-        <p:txBody>
-          <a:bodyPr/>
-          <a:lstStyle/>
-          <a:p>
-            <a:endParaRPr lang="en-US"/>
-          </a:p>
-        </p:txBody>
-      </p:sp>
-      <p:sp>
-        <p:nvSpPr>
-          <p:cNvPr id="3" name="Symbol zastępczy zawartości 2">
-            <a:extLst>
-              <a:ext uri="{FF2B5EF4-FFF2-40B4-BE49-F238E27FC236}">
-                <a16:creationId xmlns:a16="http://schemas.microsoft.com/office/drawing/2014/main" id="{3BCB60E0-C5A9-4F43-A5A3-814934EA28B5}"/>
-              </a:ext>
-            </a:extLst>
-          </p:cNvPr>
-          <p:cNvSpPr>
-            <a:spLocks noGrp="1"/>
-          </p:cNvSpPr>
-          <p:nvPr>
-            <p:ph idx="1"/>
-          </p:nvPr>
-        </p:nvSpPr>
-        <p:spPr/>
-        <p:txBody>
-          <a:bodyPr/>
-          <a:lstStyle/>
-          <a:p>
-            <a:endParaRPr lang="en-US"/>
-          </a:p>
-        </p:txBody>
-      </p:sp>
-    </p:spTree>
-    <p:extLst>
-      <p:ext uri="{BB962C8B-B14F-4D97-AF65-F5344CB8AC3E}">
-        <p14:creationId xmlns:p14="http://schemas.microsoft.com/office/powerpoint/2010/main" val="1255858169"/>
-      </p:ext>
-    </p:extLst>
-  </p:cSld>
-  <p:clrMapOvr>
-    <a:masterClrMapping/>
-  </p:clrMapOvr>
-</p:sld>
-</file>
-
-<file path=ppt/slides/slide16.xml><?xml version="1.0" encoding="utf-8"?>
-<p:sld xmlns:a="http://schemas.openxmlformats.org/drawingml/2006/main" xmlns:r="http://schemas.openxmlformats.org/officeDocument/2006/relationships" xmlns:p="http://schemas.openxmlformats.org/presentationml/2006/main">
-  <p:cSld>
-    <p:spTree>
-      <p:nvGrpSpPr>
-        <p:cNvPr id="1" name=""/>
-        <p:cNvGrpSpPr/>
-        <p:nvPr/>
-      </p:nvGrpSpPr>
-      <p:grpSpPr>
-        <a:xfrm>
-          <a:off x="0" y="0"/>
-          <a:ext cx="0" cy="0"/>
-          <a:chOff x="0" y="0"/>
-          <a:chExt cx="0" cy="0"/>
-        </a:xfrm>
-      </p:grpSpPr>
-      <p:sp>
-        <p:nvSpPr>
-          <p:cNvPr id="2" name="Tytuł 1">
-            <a:extLst>
-              <a:ext uri="{FF2B5EF4-FFF2-40B4-BE49-F238E27FC236}">
-                <a16:creationId xmlns:a16="http://schemas.microsoft.com/office/drawing/2014/main" id="{F21ADD7B-3B00-4E5A-A45F-8D0566A8C07E}"/>
-              </a:ext>
-            </a:extLst>
-          </p:cNvPr>
-          <p:cNvSpPr>
-            <a:spLocks noGrp="1"/>
-          </p:cNvSpPr>
-          <p:nvPr>
-            <p:ph type="title"/>
-          </p:nvPr>
-        </p:nvSpPr>
-        <p:spPr/>
-        <p:txBody>
-          <a:bodyPr/>
-          <a:lstStyle/>
-          <a:p>
-            <a:r>
-              <a:rPr lang="en-US" dirty="0" err="1"/>
-              <a:t>Źródła</a:t>
-            </a:r>
-            <a:r>
-              <a:rPr lang="en-US" dirty="0"/>
-              <a:t>:	</a:t>
-            </a:r>
-          </a:p>
-        </p:txBody>
-      </p:sp>
-      <p:sp>
-        <p:nvSpPr>
-          <p:cNvPr id="3" name="Symbol zastępczy zawartości 2">
-            <a:extLst>
-              <a:ext uri="{FF2B5EF4-FFF2-40B4-BE49-F238E27FC236}">
-                <a16:creationId xmlns:a16="http://schemas.microsoft.com/office/drawing/2014/main" id="{99202966-0419-483A-B298-FA97EEA85904}"/>
-              </a:ext>
-            </a:extLst>
-          </p:cNvPr>
-          <p:cNvSpPr>
-            <a:spLocks noGrp="1"/>
-          </p:cNvSpPr>
-          <p:nvPr>
-            <p:ph idx="1"/>
-          </p:nvPr>
-        </p:nvSpPr>
-        <p:spPr/>
-        <p:txBody>
-          <a:bodyPr/>
-          <a:lstStyle/>
-          <a:p>
-            <a:r>
-              <a:rPr lang="en-US" sz="1200" dirty="0">
-                <a:hlinkClick r:id="rId2"/>
-              </a:rPr>
-              <a:t>https://blog.digilentinc.com/demystifiying-the-linux-kernel/</a:t>
-            </a:r>
-            <a:endParaRPr lang="en-US" sz="1200" dirty="0"/>
-          </a:p>
-          <a:p>
-            <a:r>
-              <a:rPr lang="en-US" sz="1200" dirty="0">
-                <a:hlinkClick r:id="rId3"/>
-              </a:rPr>
-              <a:t>https://cdn.britannica.com/99/124299-050-4B4D509F/Linus-Torvalds-2012.jpg</a:t>
-            </a:r>
-            <a:endParaRPr lang="en-US" sz="1200" dirty="0"/>
-          </a:p>
-          <a:p>
-            <a:r>
-              <a:rPr lang="en-US" sz="1200" dirty="0">
-                <a:hlinkClick r:id="rId4"/>
-              </a:rPr>
-              <a:t>https://upload.wikimedia.org/wikipedia/commons/thumb/9/93/GPLv3_Logo.svg/1200px-GPLv3_Logo.svg.png</a:t>
-            </a:r>
-            <a:endParaRPr lang="en-US" sz="1200" dirty="0"/>
-          </a:p>
-          <a:p>
-            <a:r>
-              <a:rPr lang="en-US" sz="1200" dirty="0">
-                <a:hlinkClick r:id="rId5"/>
-              </a:rPr>
-              <a:t>https://www.coolhousing.net/images/stories/blog/gnu.png</a:t>
-            </a:r>
-            <a:endParaRPr lang="en-US" sz="1200" dirty="0"/>
-          </a:p>
-          <a:p>
-            <a:r>
-              <a:rPr lang="en-US" sz="1200" dirty="0">
-                <a:hlinkClick r:id="rId6"/>
-              </a:rPr>
-              <a:t>https://upload.wikimedia.org/wikipedia/commons/thumb/3/3a/Linux_kernel_ubiquity.svg/800px-Linux_kernel_ubiquity.svg.png</a:t>
-            </a:r>
-            <a:endParaRPr lang="en-US" sz="1200" dirty="0"/>
-          </a:p>
-          <a:p>
-            <a:r>
-              <a:rPr lang="en-US" sz="1200" dirty="0">
-                <a:hlinkClick r:id="rId7"/>
-              </a:rPr>
-              <a:t>https://upload.wikimedia.org/wikipedia/commons/a/af/Tux.png</a:t>
-            </a:r>
-            <a:endParaRPr lang="en-US" sz="1200" dirty="0"/>
-          </a:p>
-          <a:p>
-            <a:r>
-              <a:rPr lang="en-US" sz="1200" dirty="0">
-                <a:hlinkClick r:id="rId8"/>
-              </a:rPr>
-              <a:t>https://fossbytes.com/wp-content/uploads/2016/08/linus-torvald-first-linux-email.png</a:t>
-            </a:r>
-            <a:endParaRPr lang="en-US" sz="1200" dirty="0"/>
-          </a:p>
-          <a:p>
-            <a:r>
-              <a:rPr lang="en-US" sz="1200" dirty="0">
-                <a:hlinkClick r:id="rId9"/>
-              </a:rPr>
-              <a:t>https://upload.wikimedia.org/wikipedia/commons/thumb/5/5f/Windows_logo_-_2012.svg/1200px-Windows_logo_-_2012.svg.png</a:t>
-            </a:r>
-            <a:endParaRPr lang="en-US" sz="1200" dirty="0"/>
-          </a:p>
-          <a:p>
-            <a:r>
-              <a:rPr lang="en-US" sz="1200" dirty="0">
-                <a:hlinkClick r:id="rId10"/>
-              </a:rPr>
-              <a:t>https://cdn.freebiesupply.com/logos/large/2x/mac-os-2-logo-png-transparent.png</a:t>
-            </a:r>
-            <a:endParaRPr lang="en-US" sz="1200" dirty="0"/>
-          </a:p>
-          <a:p>
-            <a:r>
-              <a:rPr lang="en-US" sz="1200" dirty="0">
-                <a:hlinkClick r:id="rId11"/>
-              </a:rPr>
-              <a:t>https://ubuntupit.com/wp-content/uploads/2019/11/linux_file_system.jpg</a:t>
-            </a:r>
-            <a:endParaRPr lang="en-US" sz="1200" dirty="0"/>
-          </a:p>
-          <a:p>
-            <a:r>
-              <a:rPr lang="en-US" sz="1200" dirty="0">
-                <a:hlinkClick r:id="rId12"/>
-              </a:rPr>
-              <a:t>https://hexus.net/media/uploaded/2017/11/b700ff5b-be0c-4af1-a2f8-9ce9ab0d3b25.jpg</a:t>
-            </a:r>
-            <a:endParaRPr lang="en-US" sz="1200" dirty="0"/>
-          </a:p>
-          <a:p>
-            <a:r>
-              <a:rPr lang="en-US" sz="1200" dirty="0">
-                <a:hlinkClick r:id="rId13"/>
-              </a:rPr>
-              <a:t>https://www.mvps.net/docs/wp-content/uploads/2019/02/linux-filesystem.png</a:t>
-            </a:r>
-            <a:endParaRPr lang="en-US" sz="1200" dirty="0"/>
-          </a:p>
-          <a:p>
-            <a:r>
-              <a:rPr lang="en-US" sz="1200" dirty="0"/>
-              <a:t>https://static.javatpoint.com/linux/images/linux-file-system2.png</a:t>
-            </a:r>
-          </a:p>
-          <a:p>
-            <a:endParaRPr lang="en-US" dirty="0"/>
-          </a:p>
-          <a:p>
-            <a:endParaRPr lang="en-US" dirty="0"/>
-          </a:p>
-        </p:txBody>
-      </p:sp>
-    </p:spTree>
-    <p:extLst>
-      <p:ext uri="{BB962C8B-B14F-4D97-AF65-F5344CB8AC3E}">
-        <p14:creationId xmlns:p14="http://schemas.microsoft.com/office/powerpoint/2010/main" val="250474331"/>
+        <p14:creationId xmlns:p14="http://schemas.microsoft.com/office/powerpoint/2010/main" val="347652505"/>
       </p:ext>
     </p:extLst>
   </p:cSld>
@@ -4847,180 +4838,6 @@
 </file>
 
 <file path=ppt/slides/slide2.xml><?xml version="1.0" encoding="utf-8"?>
-<p:sld xmlns:a="http://schemas.openxmlformats.org/drawingml/2006/main" xmlns:r="http://schemas.openxmlformats.org/officeDocument/2006/relationships" xmlns:p="http://schemas.openxmlformats.org/presentationml/2006/main">
-  <p:cSld>
-    <p:spTree>
-      <p:nvGrpSpPr>
-        <p:cNvPr id="1" name=""/>
-        <p:cNvGrpSpPr/>
-        <p:nvPr/>
-      </p:nvGrpSpPr>
-      <p:grpSpPr>
-        <a:xfrm>
-          <a:off x="0" y="0"/>
-          <a:ext cx="0" cy="0"/>
-          <a:chOff x="0" y="0"/>
-          <a:chExt cx="0" cy="0"/>
-        </a:xfrm>
-      </p:grpSpPr>
-      <p:sp>
-        <p:nvSpPr>
-          <p:cNvPr id="2" name="Tytuł 1">
-            <a:extLst>
-              <a:ext uri="{FF2B5EF4-FFF2-40B4-BE49-F238E27FC236}">
-                <a16:creationId xmlns:a16="http://schemas.microsoft.com/office/drawing/2014/main" id="{8DD6F74D-EA01-418A-BC77-D2D7B331C9BB}"/>
-              </a:ext>
-            </a:extLst>
-          </p:cNvPr>
-          <p:cNvSpPr>
-            <a:spLocks noGrp="1"/>
-          </p:cNvSpPr>
-          <p:nvPr>
-            <p:ph type="title"/>
-          </p:nvPr>
-        </p:nvSpPr>
-        <p:spPr/>
-        <p:txBody>
-          <a:bodyPr/>
-          <a:lstStyle/>
-          <a:p>
-            <a:r>
-              <a:rPr lang="en-US" dirty="0" err="1"/>
-              <a:t>Wstęp</a:t>
-            </a:r>
-            <a:endParaRPr lang="en-US" dirty="0"/>
-          </a:p>
-        </p:txBody>
-      </p:sp>
-      <p:sp>
-        <p:nvSpPr>
-          <p:cNvPr id="3" name="Symbol zastępczy zawartości 2">
-            <a:extLst>
-              <a:ext uri="{FF2B5EF4-FFF2-40B4-BE49-F238E27FC236}">
-                <a16:creationId xmlns:a16="http://schemas.microsoft.com/office/drawing/2014/main" id="{D745D101-B41B-45E3-BB60-4977F9FC4C5B}"/>
-              </a:ext>
-            </a:extLst>
-          </p:cNvPr>
-          <p:cNvSpPr>
-            <a:spLocks noGrp="1"/>
-          </p:cNvSpPr>
-          <p:nvPr>
-            <p:ph idx="1"/>
-          </p:nvPr>
-        </p:nvSpPr>
-        <p:spPr/>
-        <p:txBody>
-          <a:bodyPr/>
-          <a:lstStyle/>
-          <a:p>
-            <a:pPr marL="342900" marR="0" lvl="0" indent="-342900">
-              <a:lnSpc>
-                <a:spcPct val="107000"/>
-              </a:lnSpc>
-              <a:spcBef>
-                <a:spcPts val="0"/>
-              </a:spcBef>
-              <a:spcAft>
-                <a:spcPts val="0"/>
-              </a:spcAft>
-              <a:buFont typeface="Symbol" panose="05050102010706020507" pitchFamily="18" charset="2"/>
-              <a:buChar char=""/>
-            </a:pPr>
-            <a:r>
-              <a:rPr lang="pl-PL" sz="2400" dirty="0" err="1">
-                <a:effectLst/>
-                <a:latin typeface="Calibri" panose="020F0502020204030204" pitchFamily="34" charset="0"/>
-                <a:ea typeface="Calibri" panose="020F0502020204030204" pitchFamily="34" charset="0"/>
-                <a:cs typeface="Times New Roman" panose="02020603050405020304" pitchFamily="18" charset="0"/>
-              </a:rPr>
-              <a:t>Kernel</a:t>
-            </a:r>
-            <a:endParaRPr lang="en-US" sz="2400" dirty="0">
-              <a:effectLst/>
-              <a:latin typeface="Calibri" panose="020F0502020204030204" pitchFamily="34" charset="0"/>
-              <a:ea typeface="Calibri" panose="020F0502020204030204" pitchFamily="34" charset="0"/>
-              <a:cs typeface="Times New Roman" panose="02020603050405020304" pitchFamily="18" charset="0"/>
-            </a:endParaRPr>
-          </a:p>
-          <a:p>
-            <a:pPr marL="342900" marR="0" lvl="0" indent="-342900">
-              <a:lnSpc>
-                <a:spcPct val="107000"/>
-              </a:lnSpc>
-              <a:spcBef>
-                <a:spcPts val="0"/>
-              </a:spcBef>
-              <a:spcAft>
-                <a:spcPts val="0"/>
-              </a:spcAft>
-              <a:buFont typeface="Symbol" panose="05050102010706020507" pitchFamily="18" charset="2"/>
-              <a:buChar char=""/>
-            </a:pPr>
-            <a:r>
-              <a:rPr lang="pl-PL" sz="2400" dirty="0">
-                <a:effectLst/>
-                <a:latin typeface="Calibri" panose="020F0502020204030204" pitchFamily="34" charset="0"/>
-                <a:ea typeface="Calibri" panose="020F0502020204030204" pitchFamily="34" charset="0"/>
-                <a:cs typeface="Times New Roman" panose="02020603050405020304" pitchFamily="18" charset="0"/>
-              </a:rPr>
-              <a:t>File system(y)</a:t>
-            </a:r>
-            <a:endParaRPr lang="en-US" sz="2400" dirty="0">
-              <a:effectLst/>
-              <a:latin typeface="Calibri" panose="020F0502020204030204" pitchFamily="34" charset="0"/>
-              <a:ea typeface="Calibri" panose="020F0502020204030204" pitchFamily="34" charset="0"/>
-              <a:cs typeface="Times New Roman" panose="02020603050405020304" pitchFamily="18" charset="0"/>
-            </a:endParaRPr>
-          </a:p>
-          <a:p>
-            <a:pPr marL="342900" marR="0" lvl="0" indent="-342900">
-              <a:lnSpc>
-                <a:spcPct val="107000"/>
-              </a:lnSpc>
-              <a:spcBef>
-                <a:spcPts val="0"/>
-              </a:spcBef>
-              <a:spcAft>
-                <a:spcPts val="800"/>
-              </a:spcAft>
-              <a:buFont typeface="Symbol" panose="05050102010706020507" pitchFamily="18" charset="2"/>
-              <a:buChar char=""/>
-            </a:pPr>
-            <a:r>
-              <a:rPr lang="pl-PL" sz="2400" dirty="0">
-                <a:effectLst/>
-                <a:latin typeface="Calibri" panose="020F0502020204030204" pitchFamily="34" charset="0"/>
-                <a:ea typeface="Calibri" panose="020F0502020204030204" pitchFamily="34" charset="0"/>
-                <a:cs typeface="Times New Roman" panose="02020603050405020304" pitchFamily="18" charset="0"/>
-              </a:rPr>
-              <a:t>Planowanie procesów i wątków</a:t>
-            </a:r>
-            <a:endParaRPr lang="en-US" sz="2400" dirty="0">
-              <a:effectLst/>
-              <a:latin typeface="Calibri" panose="020F0502020204030204" pitchFamily="34" charset="0"/>
-              <a:ea typeface="Calibri" panose="020F0502020204030204" pitchFamily="34" charset="0"/>
-              <a:cs typeface="Times New Roman" panose="02020603050405020304" pitchFamily="18" charset="0"/>
-            </a:endParaRPr>
-          </a:p>
-          <a:p>
-            <a:endParaRPr lang="en-US" dirty="0"/>
-          </a:p>
-        </p:txBody>
-      </p:sp>
-    </p:spTree>
-    <p:extLst>
-      <p:ext uri="{BB962C8B-B14F-4D97-AF65-F5344CB8AC3E}">
-        <p14:creationId xmlns:p14="http://schemas.microsoft.com/office/powerpoint/2010/main" val="1971778165"/>
-      </p:ext>
-    </p:extLst>
-  </p:cSld>
-  <p:clrMapOvr>
-    <a:masterClrMapping/>
-  </p:clrMapOvr>
-</p:sld>
-</file>
-
-<file path=ppt/slides/slide3.xml><?xml version="1.0" encoding="utf-8"?>
 <p:sld xmlns:a="http://schemas.openxmlformats.org/drawingml/2006/main" xmlns:r="http://schemas.openxmlformats.org/officeDocument/2006/relationships" xmlns:p="http://schemas.openxmlformats.org/presentationml/2006/main">
   <p:cSld>
     <p:spTree>
@@ -5127,7 +4944,365 @@
 </p:sld>
 </file>
 
+<file path=ppt/slides/slide3.xml><?xml version="1.0" encoding="utf-8"?>
+<p:sld xmlns:a="http://schemas.openxmlformats.org/drawingml/2006/main" xmlns:r="http://schemas.openxmlformats.org/officeDocument/2006/relationships" xmlns:p="http://schemas.openxmlformats.org/presentationml/2006/main">
+  <p:cSld>
+    <p:spTree>
+      <p:nvGrpSpPr>
+        <p:cNvPr id="1" name=""/>
+        <p:cNvGrpSpPr/>
+        <p:nvPr/>
+      </p:nvGrpSpPr>
+      <p:grpSpPr>
+        <a:xfrm>
+          <a:off x="0" y="0"/>
+          <a:ext cx="0" cy="0"/>
+          <a:chOff x="0" y="0"/>
+          <a:chExt cx="0" cy="0"/>
+        </a:xfrm>
+      </p:grpSpPr>
+      <p:sp>
+        <p:nvSpPr>
+          <p:cNvPr id="2" name="Tytuł 1">
+            <a:extLst>
+              <a:ext uri="{FF2B5EF4-FFF2-40B4-BE49-F238E27FC236}">
+                <a16:creationId xmlns:a16="http://schemas.microsoft.com/office/drawing/2014/main" id="{31C31B0B-208E-4A04-AADA-ED73E040E8FB}"/>
+              </a:ext>
+            </a:extLst>
+          </p:cNvPr>
+          <p:cNvSpPr>
+            <a:spLocks noGrp="1"/>
+          </p:cNvSpPr>
+          <p:nvPr>
+            <p:ph type="title"/>
+          </p:nvPr>
+        </p:nvSpPr>
+        <p:spPr/>
+        <p:txBody>
+          <a:bodyPr/>
+          <a:lstStyle/>
+          <a:p>
+            <a:r>
+              <a:rPr lang="en-US" dirty="0"/>
+              <a:t>Historia </a:t>
+            </a:r>
+            <a:r>
+              <a:rPr lang="en-US" dirty="0" err="1"/>
+              <a:t>Kernela</a:t>
+            </a:r>
+            <a:r>
+              <a:rPr lang="en-US" dirty="0"/>
+              <a:t> Linux</a:t>
+            </a:r>
+          </a:p>
+        </p:txBody>
+      </p:sp>
+      <p:pic>
+        <p:nvPicPr>
+          <p:cNvPr id="4" name="Symbol zastępczy zawartości 3">
+            <a:extLst>
+              <a:ext uri="{FF2B5EF4-FFF2-40B4-BE49-F238E27FC236}">
+                <a16:creationId xmlns:a16="http://schemas.microsoft.com/office/drawing/2014/main" id="{604AC696-D41C-4367-B9B2-2B774BC8CF34}"/>
+              </a:ext>
+            </a:extLst>
+          </p:cNvPr>
+          <p:cNvPicPr>
+            <a:picLocks noGrp="1" noChangeAspect="1"/>
+          </p:cNvPicPr>
+          <p:nvPr>
+            <p:ph idx="1"/>
+          </p:nvPr>
+        </p:nvPicPr>
+        <p:blipFill>
+          <a:blip r:embed="rId2"/>
+          <a:stretch>
+            <a:fillRect/>
+          </a:stretch>
+        </p:blipFill>
+        <p:spPr>
+          <a:xfrm>
+            <a:off x="838200" y="3998126"/>
+            <a:ext cx="2298855" cy="2252647"/>
+          </a:xfrm>
+          <a:prstGeom prst="rect">
+            <a:avLst/>
+          </a:prstGeom>
+        </p:spPr>
+      </p:pic>
+      <p:pic>
+        <p:nvPicPr>
+          <p:cNvPr id="2056" name="Picture 8">
+            <a:extLst>
+              <a:ext uri="{FF2B5EF4-FFF2-40B4-BE49-F238E27FC236}">
+                <a16:creationId xmlns:a16="http://schemas.microsoft.com/office/drawing/2014/main" id="{B315DD05-26DB-4C8E-9BDB-92EE7B452BE9}"/>
+              </a:ext>
+            </a:extLst>
+          </p:cNvPr>
+          <p:cNvPicPr>
+            <a:picLocks noChangeAspect="1" noChangeArrowheads="1"/>
+          </p:cNvPicPr>
+          <p:nvPr/>
+        </p:nvPicPr>
+        <p:blipFill>
+          <a:blip r:embed="rId3">
+            <a:extLst>
+              <a:ext uri="{28A0092B-C50C-407E-A947-70E740481C1C}">
+                <a14:useLocalDpi xmlns:a14="http://schemas.microsoft.com/office/drawing/2010/main" val="0"/>
+              </a:ext>
+            </a:extLst>
+          </a:blip>
+          <a:srcRect/>
+          <a:stretch>
+            <a:fillRect/>
+          </a:stretch>
+        </p:blipFill>
+        <p:spPr bwMode="auto">
+          <a:xfrm>
+            <a:off x="9392708" y="1027906"/>
+            <a:ext cx="1961092" cy="2323708"/>
+          </a:xfrm>
+          <a:prstGeom prst="rect">
+            <a:avLst/>
+          </a:prstGeom>
+          <a:noFill/>
+          <a:extLst>
+            <a:ext uri="{909E8E84-426E-40DD-AFC4-6F175D3DCCD1}">
+              <a14:hiddenFill xmlns:a14="http://schemas.microsoft.com/office/drawing/2010/main">
+                <a:solidFill>
+                  <a:srgbClr val="FFFFFF"/>
+                </a:solidFill>
+              </a14:hiddenFill>
+            </a:ext>
+          </a:extLst>
+        </p:spPr>
+      </p:pic>
+      <p:pic>
+        <p:nvPicPr>
+          <p:cNvPr id="2058" name="Picture 10">
+            <a:extLst>
+              <a:ext uri="{FF2B5EF4-FFF2-40B4-BE49-F238E27FC236}">
+                <a16:creationId xmlns:a16="http://schemas.microsoft.com/office/drawing/2014/main" id="{AA22D8A4-06D7-437F-8B6E-2B39322E825E}"/>
+              </a:ext>
+            </a:extLst>
+          </p:cNvPr>
+          <p:cNvPicPr>
+            <a:picLocks noChangeAspect="1" noChangeArrowheads="1"/>
+          </p:cNvPicPr>
+          <p:nvPr/>
+        </p:nvPicPr>
+        <p:blipFill>
+          <a:blip r:embed="rId4">
+            <a:extLst>
+              <a:ext uri="{28A0092B-C50C-407E-A947-70E740481C1C}">
+                <a14:useLocalDpi xmlns:a14="http://schemas.microsoft.com/office/drawing/2010/main" val="0"/>
+              </a:ext>
+            </a:extLst>
+          </a:blip>
+          <a:srcRect/>
+          <a:stretch>
+            <a:fillRect/>
+          </a:stretch>
+        </p:blipFill>
+        <p:spPr bwMode="auto">
+          <a:xfrm>
+            <a:off x="3695700" y="1733550"/>
+            <a:ext cx="4800600" cy="3390900"/>
+          </a:xfrm>
+          <a:prstGeom prst="rect">
+            <a:avLst/>
+          </a:prstGeom>
+          <a:noFill/>
+          <a:extLst>
+            <a:ext uri="{909E8E84-426E-40DD-AFC4-6F175D3DCCD1}">
+              <a14:hiddenFill xmlns:a14="http://schemas.microsoft.com/office/drawing/2010/main">
+                <a:solidFill>
+                  <a:srgbClr val="FFFFFF"/>
+                </a:solidFill>
+              </a14:hiddenFill>
+            </a:ext>
+          </a:extLst>
+        </p:spPr>
+      </p:pic>
+    </p:spTree>
+    <p:extLst>
+      <p:ext uri="{BB962C8B-B14F-4D97-AF65-F5344CB8AC3E}">
+        <p14:creationId xmlns:p14="http://schemas.microsoft.com/office/powerpoint/2010/main" val="4288110213"/>
+      </p:ext>
+    </p:extLst>
+  </p:cSld>
+  <p:clrMapOvr>
+    <a:masterClrMapping/>
+  </p:clrMapOvr>
+</p:sld>
+</file>
+
 <file path=ppt/slides/slide4.xml><?xml version="1.0" encoding="utf-8"?>
+<p:sld xmlns:a="http://schemas.openxmlformats.org/drawingml/2006/main" xmlns:r="http://schemas.openxmlformats.org/officeDocument/2006/relationships" xmlns:p="http://schemas.openxmlformats.org/presentationml/2006/main">
+  <p:cSld>
+    <p:spTree>
+      <p:nvGrpSpPr>
+        <p:cNvPr id="1" name=""/>
+        <p:cNvGrpSpPr/>
+        <p:nvPr/>
+      </p:nvGrpSpPr>
+      <p:grpSpPr>
+        <a:xfrm>
+          <a:off x="0" y="0"/>
+          <a:ext cx="0" cy="0"/>
+          <a:chOff x="0" y="0"/>
+          <a:chExt cx="0" cy="0"/>
+        </a:xfrm>
+      </p:grpSpPr>
+      <p:sp>
+        <p:nvSpPr>
+          <p:cNvPr id="2" name="Tytuł 1">
+            <a:extLst>
+              <a:ext uri="{FF2B5EF4-FFF2-40B4-BE49-F238E27FC236}">
+                <a16:creationId xmlns:a16="http://schemas.microsoft.com/office/drawing/2014/main" id="{58A29356-D36A-499F-A4B9-00282402DA2F}"/>
+              </a:ext>
+            </a:extLst>
+          </p:cNvPr>
+          <p:cNvSpPr>
+            <a:spLocks noGrp="1"/>
+          </p:cNvSpPr>
+          <p:nvPr>
+            <p:ph type="title"/>
+          </p:nvPr>
+        </p:nvSpPr>
+        <p:spPr/>
+        <p:txBody>
+          <a:bodyPr/>
+          <a:lstStyle/>
+          <a:p>
+            <a:r>
+              <a:rPr lang="en-US" dirty="0" err="1"/>
+              <a:t>Licencja</a:t>
+            </a:r>
+            <a:r>
+              <a:rPr lang="en-US" dirty="0"/>
+              <a:t> </a:t>
+            </a:r>
+            <a:r>
+              <a:rPr lang="en-US" dirty="0" err="1"/>
+              <a:t>Kernela</a:t>
+            </a:r>
+            <a:r>
+              <a:rPr lang="en-US" dirty="0"/>
+              <a:t> Linux</a:t>
+            </a:r>
+          </a:p>
+        </p:txBody>
+      </p:sp>
+      <p:pic>
+        <p:nvPicPr>
+          <p:cNvPr id="4" name="Picture 2">
+            <a:extLst>
+              <a:ext uri="{FF2B5EF4-FFF2-40B4-BE49-F238E27FC236}">
+                <a16:creationId xmlns:a16="http://schemas.microsoft.com/office/drawing/2014/main" id="{CB6AF034-D099-457A-B6B3-024DCCF351DD}"/>
+              </a:ext>
+            </a:extLst>
+          </p:cNvPr>
+          <p:cNvPicPr>
+            <a:picLocks noGrp="1" noChangeAspect="1" noChangeArrowheads="1"/>
+          </p:cNvPicPr>
+          <p:nvPr>
+            <p:ph idx="1"/>
+          </p:nvPr>
+        </p:nvPicPr>
+        <p:blipFill>
+          <a:blip r:embed="rId2">
+            <a:extLst>
+              <a:ext uri="{28A0092B-C50C-407E-A947-70E740481C1C}">
+                <a14:useLocalDpi xmlns:a14="http://schemas.microsoft.com/office/drawing/2010/main" val="0"/>
+              </a:ext>
+            </a:extLst>
+          </a:blip>
+          <a:srcRect/>
+          <a:stretch>
+            <a:fillRect/>
+          </a:stretch>
+        </p:blipFill>
+        <p:spPr bwMode="auto">
+          <a:xfrm>
+            <a:off x="1681114" y="2572890"/>
+            <a:ext cx="4832808" cy="2404322"/>
+          </a:xfrm>
+          <a:prstGeom prst="rect">
+            <a:avLst/>
+          </a:prstGeom>
+          <a:noFill/>
+          <a:extLst>
+            <a:ext uri="{909E8E84-426E-40DD-AFC4-6F175D3DCCD1}">
+              <a14:hiddenFill xmlns:a14="http://schemas.microsoft.com/office/drawing/2010/main">
+                <a:solidFill>
+                  <a:srgbClr val="FFFFFF"/>
+                </a:solidFill>
+              </a14:hiddenFill>
+            </a:ext>
+          </a:extLst>
+        </p:spPr>
+      </p:pic>
+      <p:pic>
+        <p:nvPicPr>
+          <p:cNvPr id="5" name="Picture 6">
+            <a:extLst>
+              <a:ext uri="{FF2B5EF4-FFF2-40B4-BE49-F238E27FC236}">
+                <a16:creationId xmlns:a16="http://schemas.microsoft.com/office/drawing/2014/main" id="{15B75424-EE9F-4C2A-A1CC-F43BC54EF201}"/>
+              </a:ext>
+            </a:extLst>
+          </p:cNvPr>
+          <p:cNvPicPr>
+            <a:picLocks noChangeAspect="1" noChangeArrowheads="1"/>
+          </p:cNvPicPr>
+          <p:nvPr/>
+        </p:nvPicPr>
+        <p:blipFill>
+          <a:blip r:embed="rId3">
+            <a:extLst>
+              <a:ext uri="{28A0092B-C50C-407E-A947-70E740481C1C}">
+                <a14:useLocalDpi xmlns:a14="http://schemas.microsoft.com/office/drawing/2010/main" val="0"/>
+              </a:ext>
+            </a:extLst>
+          </a:blip>
+          <a:srcRect/>
+          <a:stretch>
+            <a:fillRect/>
+          </a:stretch>
+        </p:blipFill>
+        <p:spPr bwMode="auto">
+          <a:xfrm>
+            <a:off x="8066988" y="1785594"/>
+            <a:ext cx="3286812" cy="3286812"/>
+          </a:xfrm>
+          <a:prstGeom prst="rect">
+            <a:avLst/>
+          </a:prstGeom>
+          <a:noFill/>
+          <a:extLst>
+            <a:ext uri="{909E8E84-426E-40DD-AFC4-6F175D3DCCD1}">
+              <a14:hiddenFill xmlns:a14="http://schemas.microsoft.com/office/drawing/2010/main">
+                <a:solidFill>
+                  <a:srgbClr val="FFFFFF"/>
+                </a:solidFill>
+              </a14:hiddenFill>
+            </a:ext>
+          </a:extLst>
+        </p:spPr>
+      </p:pic>
+    </p:spTree>
+    <p:extLst>
+      <p:ext uri="{BB962C8B-B14F-4D97-AF65-F5344CB8AC3E}">
+        <p14:creationId xmlns:p14="http://schemas.microsoft.com/office/powerpoint/2010/main" val="2237899513"/>
+      </p:ext>
+    </p:extLst>
+  </p:cSld>
+  <p:clrMapOvr>
+    <a:masterClrMapping/>
+  </p:clrMapOvr>
+</p:sld>
+</file>
+
+<file path=ppt/slides/slide5.xml><?xml version="1.0" encoding="utf-8"?>
 <p:sld xmlns:a="http://schemas.openxmlformats.org/drawingml/2006/main" xmlns:r="http://schemas.openxmlformats.org/officeDocument/2006/relationships" xmlns:p="http://schemas.openxmlformats.org/presentationml/2006/main">
   <p:cSld>
     <p:spTree>
@@ -5242,198 +5417,6 @@
 </p:sld>
 </file>
 
-<file path=ppt/slides/slide5.xml><?xml version="1.0" encoding="utf-8"?>
-<p:sld xmlns:a="http://schemas.openxmlformats.org/drawingml/2006/main" xmlns:r="http://schemas.openxmlformats.org/officeDocument/2006/relationships" xmlns:p="http://schemas.openxmlformats.org/presentationml/2006/main">
-  <p:cSld>
-    <p:spTree>
-      <p:nvGrpSpPr>
-        <p:cNvPr id="1" name=""/>
-        <p:cNvGrpSpPr/>
-        <p:nvPr/>
-      </p:nvGrpSpPr>
-      <p:grpSpPr>
-        <a:xfrm>
-          <a:off x="0" y="0"/>
-          <a:ext cx="0" cy="0"/>
-          <a:chOff x="0" y="0"/>
-          <a:chExt cx="0" cy="0"/>
-        </a:xfrm>
-      </p:grpSpPr>
-      <p:sp>
-        <p:nvSpPr>
-          <p:cNvPr id="2" name="Tytuł 1">
-            <a:extLst>
-              <a:ext uri="{FF2B5EF4-FFF2-40B4-BE49-F238E27FC236}">
-                <a16:creationId xmlns:a16="http://schemas.microsoft.com/office/drawing/2014/main" id="{31C31B0B-208E-4A04-AADA-ED73E040E8FB}"/>
-              </a:ext>
-            </a:extLst>
-          </p:cNvPr>
-          <p:cNvSpPr>
-            <a:spLocks noGrp="1"/>
-          </p:cNvSpPr>
-          <p:nvPr>
-            <p:ph type="title"/>
-          </p:nvPr>
-        </p:nvSpPr>
-        <p:spPr/>
-        <p:txBody>
-          <a:bodyPr/>
-          <a:lstStyle/>
-          <a:p>
-            <a:r>
-              <a:rPr lang="en-US" dirty="0"/>
-              <a:t>Historia </a:t>
-            </a:r>
-            <a:r>
-              <a:rPr lang="en-US" dirty="0" err="1"/>
-              <a:t>Kernela</a:t>
-            </a:r>
-            <a:r>
-              <a:rPr lang="en-US" dirty="0"/>
-              <a:t> Linux</a:t>
-            </a:r>
-          </a:p>
-        </p:txBody>
-      </p:sp>
-      <p:pic>
-        <p:nvPicPr>
-          <p:cNvPr id="4" name="Symbol zastępczy zawartości 3">
-            <a:extLst>
-              <a:ext uri="{FF2B5EF4-FFF2-40B4-BE49-F238E27FC236}">
-                <a16:creationId xmlns:a16="http://schemas.microsoft.com/office/drawing/2014/main" id="{604AC696-D41C-4367-B9B2-2B774BC8CF34}"/>
-              </a:ext>
-            </a:extLst>
-          </p:cNvPr>
-          <p:cNvPicPr>
-            <a:picLocks noGrp="1" noChangeAspect="1"/>
-          </p:cNvPicPr>
-          <p:nvPr>
-            <p:ph idx="1"/>
-          </p:nvPr>
-        </p:nvPicPr>
-        <p:blipFill>
-          <a:blip r:embed="rId2"/>
-          <a:stretch>
-            <a:fillRect/>
-          </a:stretch>
-        </p:blipFill>
-        <p:spPr>
-          <a:xfrm>
-            <a:off x="838200" y="3998126"/>
-            <a:ext cx="2298855" cy="2252647"/>
-          </a:xfrm>
-          <a:prstGeom prst="rect">
-            <a:avLst/>
-          </a:prstGeom>
-        </p:spPr>
-      </p:pic>
-      <p:pic>
-        <p:nvPicPr>
-          <p:cNvPr id="2056" name="Picture 8">
-            <a:extLst>
-              <a:ext uri="{FF2B5EF4-FFF2-40B4-BE49-F238E27FC236}">
-                <a16:creationId xmlns:a16="http://schemas.microsoft.com/office/drawing/2014/main" id="{B315DD05-26DB-4C8E-9BDB-92EE7B452BE9}"/>
-              </a:ext>
-            </a:extLst>
-          </p:cNvPr>
-          <p:cNvPicPr>
-            <a:picLocks noChangeAspect="1" noChangeArrowheads="1"/>
-          </p:cNvPicPr>
-          <p:nvPr/>
-        </p:nvPicPr>
-        <p:blipFill>
-          <a:blip r:embed="rId3">
-            <a:extLst>
-              <a:ext uri="{28A0092B-C50C-407E-A947-70E740481C1C}">
-                <a14:useLocalDpi xmlns:a14="http://schemas.microsoft.com/office/drawing/2010/main" val="0"/>
-              </a:ext>
-            </a:extLst>
-          </a:blip>
-          <a:srcRect/>
-          <a:stretch>
-            <a:fillRect/>
-          </a:stretch>
-        </p:blipFill>
-        <p:spPr bwMode="auto">
-          <a:xfrm>
-            <a:off x="9392708" y="1027906"/>
-            <a:ext cx="1961092" cy="2323708"/>
-          </a:xfrm>
-          <a:prstGeom prst="rect">
-            <a:avLst/>
-          </a:prstGeom>
-          <a:noFill/>
-          <a:extLst>
-            <a:ext uri="{909E8E84-426E-40DD-AFC4-6F175D3DCCD1}">
-              <a14:hiddenFill xmlns:a14="http://schemas.microsoft.com/office/drawing/2010/main">
-                <a:solidFill>
-                  <a:srgbClr val="FFFFFF"/>
-                </a:solidFill>
-              </a14:hiddenFill>
-            </a:ext>
-          </a:extLst>
-        </p:spPr>
-      </p:pic>
-      <p:pic>
-        <p:nvPicPr>
-          <p:cNvPr id="2058" name="Picture 10">
-            <a:extLst>
-              <a:ext uri="{FF2B5EF4-FFF2-40B4-BE49-F238E27FC236}">
-                <a16:creationId xmlns:a16="http://schemas.microsoft.com/office/drawing/2014/main" id="{AA22D8A4-06D7-437F-8B6E-2B39322E825E}"/>
-              </a:ext>
-            </a:extLst>
-          </p:cNvPr>
-          <p:cNvPicPr>
-            <a:picLocks noChangeAspect="1" noChangeArrowheads="1"/>
-          </p:cNvPicPr>
-          <p:nvPr/>
-        </p:nvPicPr>
-        <p:blipFill>
-          <a:blip r:embed="rId4">
-            <a:extLst>
-              <a:ext uri="{28A0092B-C50C-407E-A947-70E740481C1C}">
-                <a14:useLocalDpi xmlns:a14="http://schemas.microsoft.com/office/drawing/2010/main" val="0"/>
-              </a:ext>
-            </a:extLst>
-          </a:blip>
-          <a:srcRect/>
-          <a:stretch>
-            <a:fillRect/>
-          </a:stretch>
-        </p:blipFill>
-        <p:spPr bwMode="auto">
-          <a:xfrm>
-            <a:off x="3695700" y="1733550"/>
-            <a:ext cx="4800600" cy="3390900"/>
-          </a:xfrm>
-          <a:prstGeom prst="rect">
-            <a:avLst/>
-          </a:prstGeom>
-          <a:noFill/>
-          <a:extLst>
-            <a:ext uri="{909E8E84-426E-40DD-AFC4-6F175D3DCCD1}">
-              <a14:hiddenFill xmlns:a14="http://schemas.microsoft.com/office/drawing/2010/main">
-                <a:solidFill>
-                  <a:srgbClr val="FFFFFF"/>
-                </a:solidFill>
-              </a14:hiddenFill>
-            </a:ext>
-          </a:extLst>
-        </p:spPr>
-      </p:pic>
-    </p:spTree>
-    <p:extLst>
-      <p:ext uri="{BB962C8B-B14F-4D97-AF65-F5344CB8AC3E}">
-        <p14:creationId xmlns:p14="http://schemas.microsoft.com/office/powerpoint/2010/main" val="4288110213"/>
-      </p:ext>
-    </p:extLst>
-  </p:cSld>
-  <p:clrMapOvr>
-    <a:masterClrMapping/>
-  </p:clrMapOvr>
-</p:sld>
-</file>
-
 <file path=ppt/slides/slide6.xml><?xml version="1.0" encoding="utf-8"?>
 <p:sld xmlns:a="http://schemas.openxmlformats.org/drawingml/2006/main" xmlns:r="http://schemas.openxmlformats.org/officeDocument/2006/relationships" xmlns:p="http://schemas.openxmlformats.org/presentationml/2006/main">
   <p:cSld>
@@ -5456,172 +5439,6 @@
           <p:cNvPr id="2" name="Tytuł 1">
             <a:extLst>
               <a:ext uri="{FF2B5EF4-FFF2-40B4-BE49-F238E27FC236}">
-                <a16:creationId xmlns:a16="http://schemas.microsoft.com/office/drawing/2014/main" id="{58A29356-D36A-499F-A4B9-00282402DA2F}"/>
-              </a:ext>
-            </a:extLst>
-          </p:cNvPr>
-          <p:cNvSpPr>
-            <a:spLocks noGrp="1"/>
-          </p:cNvSpPr>
-          <p:nvPr>
-            <p:ph type="title"/>
-          </p:nvPr>
-        </p:nvSpPr>
-        <p:spPr/>
-        <p:txBody>
-          <a:bodyPr/>
-          <a:lstStyle/>
-          <a:p>
-            <a:r>
-              <a:rPr lang="en-US" dirty="0" err="1"/>
-              <a:t>Licencja</a:t>
-            </a:r>
-            <a:r>
-              <a:rPr lang="en-US" dirty="0"/>
-              <a:t> </a:t>
-            </a:r>
-            <a:r>
-              <a:rPr lang="en-US" dirty="0" err="1"/>
-              <a:t>Kernela</a:t>
-            </a:r>
-            <a:r>
-              <a:rPr lang="en-US" dirty="0"/>
-              <a:t> Linux</a:t>
-            </a:r>
-          </a:p>
-        </p:txBody>
-      </p:sp>
-      <p:pic>
-        <p:nvPicPr>
-          <p:cNvPr id="4" name="Picture 2">
-            <a:extLst>
-              <a:ext uri="{FF2B5EF4-FFF2-40B4-BE49-F238E27FC236}">
-                <a16:creationId xmlns:a16="http://schemas.microsoft.com/office/drawing/2014/main" id="{CB6AF034-D099-457A-B6B3-024DCCF351DD}"/>
-              </a:ext>
-            </a:extLst>
-          </p:cNvPr>
-          <p:cNvPicPr>
-            <a:picLocks noGrp="1" noChangeAspect="1" noChangeArrowheads="1"/>
-          </p:cNvPicPr>
-          <p:nvPr>
-            <p:ph idx="1"/>
-          </p:nvPr>
-        </p:nvPicPr>
-        <p:blipFill>
-          <a:blip r:embed="rId2">
-            <a:extLst>
-              <a:ext uri="{28A0092B-C50C-407E-A947-70E740481C1C}">
-                <a14:useLocalDpi xmlns:a14="http://schemas.microsoft.com/office/drawing/2010/main" val="0"/>
-              </a:ext>
-            </a:extLst>
-          </a:blip>
-          <a:srcRect/>
-          <a:stretch>
-            <a:fillRect/>
-          </a:stretch>
-        </p:blipFill>
-        <p:spPr bwMode="auto">
-          <a:xfrm>
-            <a:off x="1681114" y="2572890"/>
-            <a:ext cx="4832808" cy="2404322"/>
-          </a:xfrm>
-          <a:prstGeom prst="rect">
-            <a:avLst/>
-          </a:prstGeom>
-          <a:noFill/>
-          <a:extLst>
-            <a:ext uri="{909E8E84-426E-40DD-AFC4-6F175D3DCCD1}">
-              <a14:hiddenFill xmlns:a14="http://schemas.microsoft.com/office/drawing/2010/main">
-                <a:solidFill>
-                  <a:srgbClr val="FFFFFF"/>
-                </a:solidFill>
-              </a14:hiddenFill>
-            </a:ext>
-          </a:extLst>
-        </p:spPr>
-      </p:pic>
-      <p:pic>
-        <p:nvPicPr>
-          <p:cNvPr id="5" name="Picture 6">
-            <a:extLst>
-              <a:ext uri="{FF2B5EF4-FFF2-40B4-BE49-F238E27FC236}">
-                <a16:creationId xmlns:a16="http://schemas.microsoft.com/office/drawing/2014/main" id="{15B75424-EE9F-4C2A-A1CC-F43BC54EF201}"/>
-              </a:ext>
-            </a:extLst>
-          </p:cNvPr>
-          <p:cNvPicPr>
-            <a:picLocks noChangeAspect="1" noChangeArrowheads="1"/>
-          </p:cNvPicPr>
-          <p:nvPr/>
-        </p:nvPicPr>
-        <p:blipFill>
-          <a:blip r:embed="rId3">
-            <a:extLst>
-              <a:ext uri="{28A0092B-C50C-407E-A947-70E740481C1C}">
-                <a14:useLocalDpi xmlns:a14="http://schemas.microsoft.com/office/drawing/2010/main" val="0"/>
-              </a:ext>
-            </a:extLst>
-          </a:blip>
-          <a:srcRect/>
-          <a:stretch>
-            <a:fillRect/>
-          </a:stretch>
-        </p:blipFill>
-        <p:spPr bwMode="auto">
-          <a:xfrm>
-            <a:off x="8066988" y="1785594"/>
-            <a:ext cx="3286812" cy="3286812"/>
-          </a:xfrm>
-          <a:prstGeom prst="rect">
-            <a:avLst/>
-          </a:prstGeom>
-          <a:noFill/>
-          <a:extLst>
-            <a:ext uri="{909E8E84-426E-40DD-AFC4-6F175D3DCCD1}">
-              <a14:hiddenFill xmlns:a14="http://schemas.microsoft.com/office/drawing/2010/main">
-                <a:solidFill>
-                  <a:srgbClr val="FFFFFF"/>
-                </a:solidFill>
-              </a14:hiddenFill>
-            </a:ext>
-          </a:extLst>
-        </p:spPr>
-      </p:pic>
-    </p:spTree>
-    <p:extLst>
-      <p:ext uri="{BB962C8B-B14F-4D97-AF65-F5344CB8AC3E}">
-        <p14:creationId xmlns:p14="http://schemas.microsoft.com/office/powerpoint/2010/main" val="2237899513"/>
-      </p:ext>
-    </p:extLst>
-  </p:cSld>
-  <p:clrMapOvr>
-    <a:masterClrMapping/>
-  </p:clrMapOvr>
-</p:sld>
-</file>
-
-<file path=ppt/slides/slide7.xml><?xml version="1.0" encoding="utf-8"?>
-<p:sld xmlns:a="http://schemas.openxmlformats.org/drawingml/2006/main" xmlns:r="http://schemas.openxmlformats.org/officeDocument/2006/relationships" xmlns:p="http://schemas.openxmlformats.org/presentationml/2006/main">
-  <p:cSld>
-    <p:spTree>
-      <p:nvGrpSpPr>
-        <p:cNvPr id="1" name=""/>
-        <p:cNvGrpSpPr/>
-        <p:nvPr/>
-      </p:nvGrpSpPr>
-      <p:grpSpPr>
-        <a:xfrm>
-          <a:off x="0" y="0"/>
-          <a:ext cx="0" cy="0"/>
-          <a:chOff x="0" y="0"/>
-          <a:chExt cx="0" cy="0"/>
-        </a:xfrm>
-      </p:grpSpPr>
-      <p:sp>
-        <p:nvSpPr>
-          <p:cNvPr id="2" name="Tytuł 1">
-            <a:extLst>
-              <a:ext uri="{FF2B5EF4-FFF2-40B4-BE49-F238E27FC236}">
                 <a16:creationId xmlns:a16="http://schemas.microsoft.com/office/drawing/2014/main" id="{D81B48E1-1281-480D-A181-720731B88AED}"/>
               </a:ext>
             </a:extLst>
@@ -5724,7 +5541,7 @@
 </p:sld>
 </file>
 
-<file path=ppt/slides/slide8.xml><?xml version="1.0" encoding="utf-8"?>
+<file path=ppt/slides/slide7.xml><?xml version="1.0" encoding="utf-8"?>
 <p:sld xmlns:a="http://schemas.openxmlformats.org/drawingml/2006/main" xmlns:r="http://schemas.openxmlformats.org/officeDocument/2006/relationships" xmlns:p="http://schemas.openxmlformats.org/presentationml/2006/main">
   <p:cSld>
     <p:spTree>
@@ -5878,7 +5695,7 @@
 </p:sld>
 </file>
 
-<file path=ppt/slides/slide9.xml><?xml version="1.0" encoding="utf-8"?>
+<file path=ppt/slides/slide8.xml><?xml version="1.0" encoding="utf-8"?>
 <p:sld xmlns:a="http://schemas.openxmlformats.org/drawingml/2006/main" xmlns:r="http://schemas.openxmlformats.org/officeDocument/2006/relationships" xmlns:p="http://schemas.openxmlformats.org/presentationml/2006/main">
   <p:cSld>
     <p:spTree>
@@ -6023,6 +5840,117 @@
     <p:extLst>
       <p:ext uri="{BB962C8B-B14F-4D97-AF65-F5344CB8AC3E}">
         <p14:creationId xmlns:p14="http://schemas.microsoft.com/office/powerpoint/2010/main" val="2710572814"/>
+      </p:ext>
+    </p:extLst>
+  </p:cSld>
+  <p:clrMapOvr>
+    <a:masterClrMapping/>
+  </p:clrMapOvr>
+</p:sld>
+</file>
+
+<file path=ppt/slides/slide9.xml><?xml version="1.0" encoding="utf-8"?>
+<p:sld xmlns:a="http://schemas.openxmlformats.org/drawingml/2006/main" xmlns:r="http://schemas.openxmlformats.org/officeDocument/2006/relationships" xmlns:p="http://schemas.openxmlformats.org/presentationml/2006/main">
+  <p:cSld>
+    <p:spTree>
+      <p:nvGrpSpPr>
+        <p:cNvPr id="1" name=""/>
+        <p:cNvGrpSpPr/>
+        <p:nvPr/>
+      </p:nvGrpSpPr>
+      <p:grpSpPr>
+        <a:xfrm>
+          <a:off x="0" y="0"/>
+          <a:ext cx="0" cy="0"/>
+          <a:chOff x="0" y="0"/>
+          <a:chExt cx="0" cy="0"/>
+        </a:xfrm>
+      </p:grpSpPr>
+      <p:sp>
+        <p:nvSpPr>
+          <p:cNvPr id="2" name="Tytuł 1">
+            <a:extLst>
+              <a:ext uri="{FF2B5EF4-FFF2-40B4-BE49-F238E27FC236}">
+                <a16:creationId xmlns:a16="http://schemas.microsoft.com/office/drawing/2014/main" id="{6CE0748F-DB3C-4E8C-A322-84AC4ACC4BAF}"/>
+              </a:ext>
+            </a:extLst>
+          </p:cNvPr>
+          <p:cNvSpPr>
+            <a:spLocks noGrp="1"/>
+          </p:cNvSpPr>
+          <p:nvPr>
+            <p:ph type="title"/>
+          </p:nvPr>
+        </p:nvSpPr>
+        <p:spPr/>
+        <p:txBody>
+          <a:bodyPr/>
+          <a:lstStyle/>
+          <a:p>
+            <a:r>
+              <a:rPr lang="en-US" dirty="0" err="1"/>
+              <a:t>Czym</a:t>
+            </a:r>
+            <a:r>
+              <a:rPr lang="en-US" dirty="0"/>
+              <a:t> jest file system?</a:t>
+            </a:r>
+          </a:p>
+        </p:txBody>
+      </p:sp>
+      <p:pic>
+        <p:nvPicPr>
+          <p:cNvPr id="7172" name="Picture 4">
+            <a:extLst>
+              <a:ext uri="{FF2B5EF4-FFF2-40B4-BE49-F238E27FC236}">
+                <a16:creationId xmlns:a16="http://schemas.microsoft.com/office/drawing/2014/main" id="{52399673-E870-4733-A6F3-6D804A5822AB}"/>
+              </a:ext>
+            </a:extLst>
+          </p:cNvPr>
+          <p:cNvPicPr>
+            <a:picLocks noGrp="1" noChangeAspect="1" noChangeArrowheads="1"/>
+          </p:cNvPicPr>
+          <p:nvPr>
+            <p:ph idx="1"/>
+          </p:nvPr>
+        </p:nvPicPr>
+        <p:blipFill>
+          <a:blip r:embed="rId2">
+            <a:extLst>
+              <a:ext uri="{28A0092B-C50C-407E-A947-70E740481C1C}">
+                <a14:useLocalDpi xmlns:a14="http://schemas.microsoft.com/office/drawing/2010/main" val="0"/>
+              </a:ext>
+            </a:extLst>
+          </a:blip>
+          <a:srcRect/>
+          <a:stretch>
+            <a:fillRect/>
+          </a:stretch>
+        </p:blipFill>
+        <p:spPr bwMode="auto">
+          <a:xfrm>
+            <a:off x="2495550" y="2143919"/>
+            <a:ext cx="7200900" cy="3714750"/>
+          </a:xfrm>
+          <a:prstGeom prst="rect">
+            <a:avLst/>
+          </a:prstGeom>
+          <a:noFill/>
+          <a:extLst>
+            <a:ext uri="{909E8E84-426E-40DD-AFC4-6F175D3DCCD1}">
+              <a14:hiddenFill xmlns:a14="http://schemas.microsoft.com/office/drawing/2010/main">
+                <a:solidFill>
+                  <a:srgbClr val="FFFFFF"/>
+                </a:solidFill>
+              </a14:hiddenFill>
+            </a:ext>
+          </a:extLst>
+        </p:spPr>
+      </p:pic>
+    </p:spTree>
+    <p:extLst>
+      <p:ext uri="{BB962C8B-B14F-4D97-AF65-F5344CB8AC3E}">
+        <p14:creationId xmlns:p14="http://schemas.microsoft.com/office/powerpoint/2010/main" val="30260786"/>
       </p:ext>
     </p:extLst>
   </p:cSld>
